--- a/Recurrent Neural Networks.pptx
+++ b/Recurrent Neural Networks.pptx
@@ -299,7 +299,7 @@
           <a:p>
             <a:fld id="{9C75107E-1F81-4CB2-81B1-17CBA2533764}" type="datetimeFigureOut">
               <a:rPr lang="en-IN" smtClean="0"/>
-              <a:t>19-05-2020</a:t>
+              <a:t>25-05-2020</a:t>
             </a:fld>
             <a:endParaRPr lang="en-IN"/>
           </a:p>
@@ -469,7 +469,7 @@
           <a:p>
             <a:fld id="{9C75107E-1F81-4CB2-81B1-17CBA2533764}" type="datetimeFigureOut">
               <a:rPr lang="en-IN" smtClean="0"/>
-              <a:t>19-05-2020</a:t>
+              <a:t>25-05-2020</a:t>
             </a:fld>
             <a:endParaRPr lang="en-IN"/>
           </a:p>
@@ -649,7 +649,7 @@
           <a:p>
             <a:fld id="{9C75107E-1F81-4CB2-81B1-17CBA2533764}" type="datetimeFigureOut">
               <a:rPr lang="en-IN" smtClean="0"/>
-              <a:t>19-05-2020</a:t>
+              <a:t>25-05-2020</a:t>
             </a:fld>
             <a:endParaRPr lang="en-IN"/>
           </a:p>
@@ -819,7 +819,7 @@
           <a:p>
             <a:fld id="{9C75107E-1F81-4CB2-81B1-17CBA2533764}" type="datetimeFigureOut">
               <a:rPr lang="en-IN" smtClean="0"/>
-              <a:t>19-05-2020</a:t>
+              <a:t>25-05-2020</a:t>
             </a:fld>
             <a:endParaRPr lang="en-IN"/>
           </a:p>
@@ -1065,7 +1065,7 @@
           <a:p>
             <a:fld id="{9C75107E-1F81-4CB2-81B1-17CBA2533764}" type="datetimeFigureOut">
               <a:rPr lang="en-IN" smtClean="0"/>
-              <a:t>19-05-2020</a:t>
+              <a:t>25-05-2020</a:t>
             </a:fld>
             <a:endParaRPr lang="en-IN"/>
           </a:p>
@@ -1353,7 +1353,7 @@
           <a:p>
             <a:fld id="{9C75107E-1F81-4CB2-81B1-17CBA2533764}" type="datetimeFigureOut">
               <a:rPr lang="en-IN" smtClean="0"/>
-              <a:t>19-05-2020</a:t>
+              <a:t>25-05-2020</a:t>
             </a:fld>
             <a:endParaRPr lang="en-IN"/>
           </a:p>
@@ -1775,7 +1775,7 @@
           <a:p>
             <a:fld id="{9C75107E-1F81-4CB2-81B1-17CBA2533764}" type="datetimeFigureOut">
               <a:rPr lang="en-IN" smtClean="0"/>
-              <a:t>19-05-2020</a:t>
+              <a:t>25-05-2020</a:t>
             </a:fld>
             <a:endParaRPr lang="en-IN"/>
           </a:p>
@@ -1893,7 +1893,7 @@
           <a:p>
             <a:fld id="{9C75107E-1F81-4CB2-81B1-17CBA2533764}" type="datetimeFigureOut">
               <a:rPr lang="en-IN" smtClean="0"/>
-              <a:t>19-05-2020</a:t>
+              <a:t>25-05-2020</a:t>
             </a:fld>
             <a:endParaRPr lang="en-IN"/>
           </a:p>
@@ -1988,7 +1988,7 @@
           <a:p>
             <a:fld id="{9C75107E-1F81-4CB2-81B1-17CBA2533764}" type="datetimeFigureOut">
               <a:rPr lang="en-IN" smtClean="0"/>
-              <a:t>19-05-2020</a:t>
+              <a:t>25-05-2020</a:t>
             </a:fld>
             <a:endParaRPr lang="en-IN"/>
           </a:p>
@@ -2265,7 +2265,7 @@
           <a:p>
             <a:fld id="{9C75107E-1F81-4CB2-81B1-17CBA2533764}" type="datetimeFigureOut">
               <a:rPr lang="en-IN" smtClean="0"/>
-              <a:t>19-05-2020</a:t>
+              <a:t>25-05-2020</a:t>
             </a:fld>
             <a:endParaRPr lang="en-IN"/>
           </a:p>
@@ -2518,7 +2518,7 @@
           <a:p>
             <a:fld id="{9C75107E-1F81-4CB2-81B1-17CBA2533764}" type="datetimeFigureOut">
               <a:rPr lang="en-IN" smtClean="0"/>
-              <a:t>19-05-2020</a:t>
+              <a:t>25-05-2020</a:t>
             </a:fld>
             <a:endParaRPr lang="en-IN"/>
           </a:p>
@@ -2731,7 +2731,7 @@
           <a:p>
             <a:fld id="{9C75107E-1F81-4CB2-81B1-17CBA2533764}" type="datetimeFigureOut">
               <a:rPr lang="en-IN" smtClean="0"/>
-              <a:t>19-05-2020</a:t>
+              <a:t>25-05-2020</a:t>
             </a:fld>
             <a:endParaRPr lang="en-IN"/>
           </a:p>
@@ -3182,13 +3182,8 @@
             <a:pPr algn="r"/>
             <a:r>
               <a:rPr lang="en-IN" sz="2400" dirty="0" smtClean="0"/>
-              <a:t>S4 – </a:t>
-            </a:r>
-            <a:r>
-              <a:rPr lang="en-IN" sz="2400" dirty="0" smtClean="0"/>
-              <a:t>MCA</a:t>
-            </a:r>
-            <a:endParaRPr lang="en-IN" sz="2400" dirty="0" smtClean="0"/>
+              <a:t>S4 – MCA</a:t>
+            </a:r>
           </a:p>
         </p:txBody>
       </p:sp>
@@ -4594,7 +4589,6 @@
               <a:rPr lang="en-IN"/>
               <a:t>Text Summarization</a:t>
             </a:r>
-            <a:endParaRPr lang="en-IN"/>
           </a:p>
         </p:txBody>
       </p:sp>

--- a/Recurrent Neural Networks.pptx
+++ b/Recurrent Neural Networks.pptx
@@ -6,17 +6,30 @@
   </p:sldMasterIdLst>
   <p:sldIdLst>
     <p:sldId id="256" r:id="rId2"/>
-    <p:sldId id="257" r:id="rId3"/>
-    <p:sldId id="266" r:id="rId4"/>
-    <p:sldId id="258" r:id="rId5"/>
-    <p:sldId id="259" r:id="rId6"/>
-    <p:sldId id="260" r:id="rId7"/>
-    <p:sldId id="261" r:id="rId8"/>
-    <p:sldId id="262" r:id="rId9"/>
-    <p:sldId id="267" r:id="rId10"/>
-    <p:sldId id="263" r:id="rId11"/>
-    <p:sldId id="264" r:id="rId12"/>
-    <p:sldId id="265" r:id="rId13"/>
+    <p:sldId id="279" r:id="rId3"/>
+    <p:sldId id="278" r:id="rId4"/>
+    <p:sldId id="257" r:id="rId5"/>
+    <p:sldId id="266" r:id="rId6"/>
+    <p:sldId id="258" r:id="rId7"/>
+    <p:sldId id="259" r:id="rId8"/>
+    <p:sldId id="260" r:id="rId9"/>
+    <p:sldId id="261" r:id="rId10"/>
+    <p:sldId id="262" r:id="rId11"/>
+    <p:sldId id="267" r:id="rId12"/>
+    <p:sldId id="263" r:id="rId13"/>
+    <p:sldId id="264" r:id="rId14"/>
+    <p:sldId id="268" r:id="rId15"/>
+    <p:sldId id="269" r:id="rId16"/>
+    <p:sldId id="270" r:id="rId17"/>
+    <p:sldId id="271" r:id="rId18"/>
+    <p:sldId id="273" r:id="rId19"/>
+    <p:sldId id="272" r:id="rId20"/>
+    <p:sldId id="274" r:id="rId21"/>
+    <p:sldId id="275" r:id="rId22"/>
+    <p:sldId id="276" r:id="rId23"/>
+    <p:sldId id="277" r:id="rId24"/>
+    <p:sldId id="280" r:id="rId25"/>
+    <p:sldId id="265" r:id="rId26"/>
   </p:sldIdLst>
   <p:sldSz cx="9144000" cy="6858000" type="screen4x3"/>
   <p:notesSz cx="6858000" cy="9144000"/>
@@ -3108,29 +3121,6 @@
       </p:grpSpPr>
       <p:sp>
         <p:nvSpPr>
-          <p:cNvPr id="2" name="Title 1"/>
-          <p:cNvSpPr>
-            <a:spLocks noGrp="1"/>
-          </p:cNvSpPr>
-          <p:nvPr>
-            <p:ph type="ctrTitle"/>
-          </p:nvPr>
-        </p:nvSpPr>
-        <p:spPr/>
-        <p:txBody>
-          <a:bodyPr/>
-          <a:lstStyle/>
-          <a:p>
-            <a:r>
-              <a:rPr lang="en-IN" dirty="0" smtClean="0"/>
-              <a:t>Recurrent Neural Networks</a:t>
-            </a:r>
-            <a:endParaRPr lang="en-IN" dirty="0"/>
-          </a:p>
-        </p:txBody>
-      </p:sp>
-      <p:sp>
-        <p:nvSpPr>
           <p:cNvPr id="3" name="Subtitle 2"/>
           <p:cNvSpPr>
             <a:spLocks noGrp="1"/>
@@ -3141,16 +3131,17 @@
         </p:nvSpPr>
         <p:spPr>
           <a:xfrm>
-            <a:off x="4716016" y="4365104"/>
+            <a:off x="5292080" y="5013176"/>
             <a:ext cx="3672408" cy="1703040"/>
           </a:xfrm>
         </p:spPr>
         <p:txBody>
           <a:bodyPr>
-            <a:normAutofit lnSpcReduction="10000"/>
+            <a:normAutofit/>
           </a:bodyPr>
           <a:lstStyle/>
           <a:p>
+            <a:pPr algn="r"/>
             <a:r>
               <a:rPr lang="en-IN" sz="2400" dirty="0" err="1" smtClean="0"/>
               <a:t>Abhilash</a:t>
@@ -3166,6 +3157,7 @@
             <a:endParaRPr lang="en-IN" sz="2400" dirty="0" smtClean="0"/>
           </a:p>
           <a:p>
+            <a:pPr algn="r"/>
             <a:r>
               <a:rPr lang="en-IN" sz="2400" dirty="0" err="1" smtClean="0"/>
               <a:t>Kiran</a:t>
@@ -3176,17 +3168,59 @@
             </a:r>
           </a:p>
           <a:p>
-            <a:endParaRPr lang="en-IN" sz="2400" dirty="0" smtClean="0"/>
-          </a:p>
-          <a:p>
             <a:pPr algn="r"/>
             <a:r>
               <a:rPr lang="en-IN" sz="2400" dirty="0" smtClean="0"/>
-              <a:t>S4 – MCA</a:t>
-            </a:r>
-          </a:p>
-        </p:txBody>
-      </p:sp>
+              <a:t>S4 </a:t>
+            </a:r>
+            <a:r>
+              <a:rPr lang="en-IN" sz="2400" dirty="0" smtClean="0"/>
+              <a:t>– MCA</a:t>
+            </a:r>
+          </a:p>
+        </p:txBody>
+      </p:sp>
+      <p:pic>
+        <p:nvPicPr>
+          <p:cNvPr id="2050" name="Picture 2" descr="Deep Learning – Introduction to Recurrent Neural Networks – AILabPage"/>
+          <p:cNvPicPr>
+            <a:picLocks noChangeAspect="1" noChangeArrowheads="1"/>
+          </p:cNvPicPr>
+          <p:nvPr/>
+        </p:nvPicPr>
+        <p:blipFill>
+          <a:blip r:embed="rId2" cstate="print">
+            <a:extLst>
+              <a:ext uri="{28A0092B-C50C-407E-A947-70E740481C1C}">
+                <a14:useLocalDpi xmlns:a14="http://schemas.microsoft.com/office/drawing/2010/main" val="0"/>
+              </a:ext>
+            </a:extLst>
+          </a:blip>
+          <a:srcRect/>
+          <a:stretch>
+            <a:fillRect/>
+          </a:stretch>
+        </p:blipFill>
+        <p:spPr bwMode="auto">
+          <a:xfrm>
+            <a:off x="251520" y="636786"/>
+            <a:ext cx="8809488" cy="4529053"/>
+          </a:xfrm>
+          <a:prstGeom prst="rect">
+            <a:avLst/>
+          </a:prstGeom>
+          <a:noFill/>
+          <a:extLst>
+            <a:ext uri="{909E8E84-426E-40DD-AFC4-6F175D3DCCD1}">
+              <a14:hiddenFill xmlns:a14="http://schemas.microsoft.com/office/drawing/2010/main">
+                <a:solidFill>
+                  <a:srgbClr val="FFFFFF"/>
+                </a:solidFill>
+              </a14:hiddenFill>
+            </a:ext>
+          </a:extLst>
+        </p:spPr>
+      </p:pic>
     </p:spTree>
     <p:extLst>
       <p:ext uri="{BB962C8B-B14F-4D97-AF65-F5344CB8AC3E}">
@@ -3237,19 +3271,19 @@
         <p:spPr/>
         <p:txBody>
           <a:bodyPr>
-            <a:noAutofit/>
+            <a:normAutofit/>
           </a:bodyPr>
           <a:lstStyle/>
           <a:p>
             <a:r>
-              <a:rPr lang="en-US" sz="3600" dirty="0"/>
-              <a:t>Advantages of Recurrent Neural </a:t>
-            </a:r>
-            <a:r>
-              <a:rPr lang="en-US" sz="3600" dirty="0" smtClean="0"/>
-              <a:t>Network</a:t>
-            </a:r>
-            <a:endParaRPr lang="en-IN" sz="3600" dirty="0"/>
+              <a:rPr lang="en-IN" u="sng" dirty="0"/>
+              <a:t>Training through </a:t>
+            </a:r>
+            <a:r>
+              <a:rPr lang="en-IN" u="sng" dirty="0" smtClean="0"/>
+              <a:t>RNN</a:t>
+            </a:r>
+            <a:endParaRPr lang="en-IN" u="sng" dirty="0"/>
           </a:p>
         </p:txBody>
       </p:sp>
@@ -3265,33 +3299,84 @@
         </p:nvSpPr>
         <p:spPr/>
         <p:txBody>
-          <a:bodyPr/>
+          <a:bodyPr>
+            <a:normAutofit fontScale="77500" lnSpcReduction="20000"/>
+          </a:bodyPr>
           <a:lstStyle/>
           <a:p>
             <a:pPr fontAlgn="base"/>
             <a:r>
               <a:rPr lang="en-US" dirty="0"/>
-              <a:t>An RNN remembers each and every information through time. It is useful in time series prediction only because of the feature to remember previous inputs as well. This is called Long Short Term Memory.</a:t>
+              <a:t>A single time step of the input is provided to the network.</a:t>
             </a:r>
           </a:p>
           <a:p>
             <a:pPr fontAlgn="base"/>
             <a:r>
               <a:rPr lang="en-US" dirty="0"/>
-              <a:t>Recurrent neural network are even used with convolutional layers to extend the effective pixel neighborhood</a:t>
-            </a:r>
-            <a:r>
-              <a:rPr lang="en-US" dirty="0" smtClean="0"/>
-              <a:t>.</a:t>
-            </a:r>
-            <a:endParaRPr lang="en-US" dirty="0"/>
+              <a:t>Then calculate its current state using set of current input and the previous state.</a:t>
+            </a:r>
+          </a:p>
+          <a:p>
+            <a:pPr fontAlgn="base"/>
+            <a:r>
+              <a:rPr lang="en-US" dirty="0"/>
+              <a:t>The current </a:t>
+            </a:r>
+            <a:r>
+              <a:rPr lang="en-US" dirty="0" err="1"/>
+              <a:t>ht</a:t>
+            </a:r>
+            <a:r>
+              <a:rPr lang="en-US" dirty="0"/>
+              <a:t> becomes ht-1 for the next time step.</a:t>
+            </a:r>
+          </a:p>
+          <a:p>
+            <a:pPr fontAlgn="base"/>
+            <a:r>
+              <a:rPr lang="en-US" dirty="0"/>
+              <a:t>One can go as many time steps according to the problem and join the information from all the previous states.</a:t>
+            </a:r>
+          </a:p>
+          <a:p>
+            <a:pPr fontAlgn="base"/>
+            <a:r>
+              <a:rPr lang="en-US" dirty="0"/>
+              <a:t>Once all the time steps are completed the final current state is used to calculate the output.</a:t>
+            </a:r>
+          </a:p>
+          <a:p>
+            <a:pPr fontAlgn="base"/>
+            <a:r>
+              <a:rPr lang="en-US" dirty="0"/>
+              <a:t>The output is then compared to the actual output </a:t>
+            </a:r>
+            <a:r>
+              <a:rPr lang="en-US" dirty="0" err="1"/>
+              <a:t>i.e</a:t>
+            </a:r>
+            <a:r>
+              <a:rPr lang="en-US" dirty="0"/>
+              <a:t> the target output and the error is generated.</a:t>
+            </a:r>
+          </a:p>
+          <a:p>
+            <a:pPr fontAlgn="base"/>
+            <a:r>
+              <a:rPr lang="en-US" dirty="0"/>
+              <a:t>The error is then back-propagated to the network to update the weights and hence the network (RNN) is trained.</a:t>
+            </a:r>
+          </a:p>
+          <a:p>
+            <a:endParaRPr lang="en-IN" dirty="0"/>
           </a:p>
         </p:txBody>
       </p:sp>
     </p:spTree>
     <p:extLst>
       <p:ext uri="{BB962C8B-B14F-4D97-AF65-F5344CB8AC3E}">
-        <p14:creationId xmlns:p14="http://schemas.microsoft.com/office/powerpoint/2010/main" val="3785587823"/>
+        <p14:creationId xmlns:p14="http://schemas.microsoft.com/office/powerpoint/2010/main" val="2000814502"/>
       </p:ext>
     </p:extLst>
   </p:cSld>
@@ -3338,15 +3423,15 @@
         <p:spPr/>
         <p:txBody>
           <a:bodyPr>
-            <a:normAutofit fontScale="90000"/>
+            <a:normAutofit/>
           </a:bodyPr>
           <a:lstStyle/>
           <a:p>
             <a:r>
-              <a:rPr lang="en-US" dirty="0"/>
-              <a:t>Disadvantages of Recurrent Neural Network</a:t>
-            </a:r>
-            <a:endParaRPr lang="en-IN" dirty="0"/>
+              <a:rPr lang="en-IN" sz="4000" u="sng" dirty="0" smtClean="0"/>
+              <a:t>Applications of RNN</a:t>
+            </a:r>
+            <a:endParaRPr lang="en-IN" sz="4000" u="sng" dirty="0"/>
           </a:p>
         </p:txBody>
       </p:sp>
@@ -3362,56 +3447,122 @@
         </p:nvSpPr>
         <p:spPr/>
         <p:txBody>
-          <a:bodyPr/>
+          <a:bodyPr>
+            <a:normAutofit/>
+          </a:bodyPr>
           <a:lstStyle/>
           <a:p>
             <a:pPr fontAlgn="base"/>
             <a:r>
-              <a:rPr lang="en-US" dirty="0"/>
-              <a:t>Gradient vanishing and exploding problems.</a:t>
+              <a:rPr lang="en-US" sz="2800" dirty="0"/>
+              <a:t>Prediction problems</a:t>
             </a:r>
           </a:p>
           <a:p>
             <a:pPr fontAlgn="base"/>
             <a:r>
-              <a:rPr lang="en-US" dirty="0"/>
-              <a:t>Training an RNN is a very difficult task.</a:t>
+              <a:rPr lang="en-US" sz="2800" dirty="0"/>
+              <a:t>Language </a:t>
+            </a:r>
+            <a:r>
+              <a:rPr lang="en-US" sz="2800" dirty="0" smtClean="0"/>
+              <a:t>Modeling </a:t>
+            </a:r>
+            <a:r>
+              <a:rPr lang="en-US" sz="2800" dirty="0"/>
+              <a:t>and Generating Text</a:t>
             </a:r>
           </a:p>
           <a:p>
             <a:pPr fontAlgn="base"/>
             <a:r>
-              <a:rPr lang="en-US" dirty="0"/>
-              <a:t>It cannot process very long sequences if using </a:t>
-            </a:r>
-            <a:r>
-              <a:rPr lang="en-US" dirty="0" err="1"/>
-              <a:t>tanh</a:t>
-            </a:r>
-            <a:r>
-              <a:rPr lang="en-US" dirty="0"/>
-              <a:t> or </a:t>
-            </a:r>
-            <a:r>
-              <a:rPr lang="en-US" dirty="0" err="1"/>
-              <a:t>relu</a:t>
-            </a:r>
-            <a:r>
-              <a:rPr lang="en-US" dirty="0"/>
-              <a:t> as an activation function</a:t>
-            </a:r>
-            <a:r>
-              <a:rPr lang="en-US" dirty="0" smtClean="0"/>
-              <a:t>.</a:t>
-            </a:r>
-            <a:endParaRPr lang="en-US" dirty="0"/>
-          </a:p>
-        </p:txBody>
-      </p:sp>
+              <a:rPr lang="en-US" sz="2800" dirty="0"/>
+              <a:t>Machine Translation</a:t>
+            </a:r>
+          </a:p>
+          <a:p>
+            <a:pPr fontAlgn="base"/>
+            <a:r>
+              <a:rPr lang="en-US" sz="2800" dirty="0"/>
+              <a:t>Speech Recognition</a:t>
+            </a:r>
+          </a:p>
+          <a:p>
+            <a:r>
+              <a:rPr lang="en-IN" sz="2800" dirty="0"/>
+              <a:t>Text Summarization</a:t>
+            </a:r>
+          </a:p>
+        </p:txBody>
+      </p:sp>
+      <p:pic>
+        <p:nvPicPr>
+          <p:cNvPr id="13314" name="Picture 2"/>
+          <p:cNvPicPr>
+            <a:picLocks noChangeAspect="1" noChangeArrowheads="1"/>
+          </p:cNvPicPr>
+          <p:nvPr/>
+        </p:nvPicPr>
+        <p:blipFill>
+          <a:blip r:embed="rId2">
+            <a:extLst>
+              <a:ext uri="{28A0092B-C50C-407E-A947-70E740481C1C}">
+                <a14:useLocalDpi xmlns:a14="http://schemas.microsoft.com/office/drawing/2010/main" val="0"/>
+              </a:ext>
+            </a:extLst>
+          </a:blip>
+          <a:srcRect/>
+          <a:stretch>
+            <a:fillRect/>
+          </a:stretch>
+        </p:blipFill>
+        <p:spPr bwMode="auto">
+          <a:xfrm>
+            <a:off x="1259632" y="4293096"/>
+            <a:ext cx="6800850" cy="2200275"/>
+          </a:xfrm>
+          <a:prstGeom prst="rect">
+            <a:avLst/>
+          </a:prstGeom>
+          <a:noFill/>
+          <a:ln>
+            <a:noFill/>
+          </a:ln>
+          <a:effectLst/>
+          <a:extLst>
+            <a:ext uri="{909E8E84-426E-40DD-AFC4-6F175D3DCCD1}">
+              <a14:hiddenFill xmlns:a14="http://schemas.microsoft.com/office/drawing/2010/main">
+                <a:solidFill>
+                  <a:schemeClr val="accent1"/>
+                </a:solidFill>
+              </a14:hiddenFill>
+            </a:ext>
+            <a:ext uri="{91240B29-F687-4F45-9708-019B960494DF}">
+              <a14:hiddenLine xmlns:a14="http://schemas.microsoft.com/office/drawing/2010/main" w="9525">
+                <a:solidFill>
+                  <a:schemeClr val="tx1"/>
+                </a:solidFill>
+                <a:miter lim="800000"/>
+                <a:headEnd/>
+                <a:tailEnd/>
+              </a14:hiddenLine>
+            </a:ext>
+            <a:ext uri="{AF507438-7753-43E0-B8FC-AC1667EBCBE1}">
+              <a14:hiddenEffects xmlns:a14="http://schemas.microsoft.com/office/drawing/2010/main">
+                <a:effectLst>
+                  <a:outerShdw dist="35921" dir="2700000" algn="ctr" rotWithShape="0">
+                    <a:schemeClr val="bg2"/>
+                  </a:outerShdw>
+                </a:effectLst>
+              </a14:hiddenEffects>
+            </a:ext>
+          </a:extLst>
+        </p:spPr>
+      </p:pic>
     </p:spTree>
     <p:extLst>
       <p:ext uri="{BB962C8B-B14F-4D97-AF65-F5344CB8AC3E}">
-        <p14:creationId xmlns:p14="http://schemas.microsoft.com/office/powerpoint/2010/main" val="1798125238"/>
+        <p14:creationId xmlns:p14="http://schemas.microsoft.com/office/powerpoint/2010/main" val="270296209"/>
       </p:ext>
     </p:extLst>
   </p:cSld>
@@ -3455,28 +3606,62 @@
             <p:ph type="title"/>
           </p:nvPr>
         </p:nvSpPr>
-        <p:spPr>
-          <a:xfrm>
-            <a:off x="395536" y="2564904"/>
-            <a:ext cx="8229600" cy="1143000"/>
-          </a:xfrm>
-        </p:spPr>
-        <p:txBody>
-          <a:bodyPr/>
-          <a:lstStyle/>
-          <a:p>
-            <a:r>
-              <a:rPr lang="en-IN" dirty="0" smtClean="0"/>
-              <a:t>Thank You.</a:t>
-            </a:r>
-            <a:endParaRPr lang="en-IN" dirty="0"/>
+        <p:spPr/>
+        <p:txBody>
+          <a:bodyPr>
+            <a:noAutofit/>
+          </a:bodyPr>
+          <a:lstStyle/>
+          <a:p>
+            <a:r>
+              <a:rPr lang="en-US" sz="3600" u="sng" dirty="0" smtClean="0"/>
+              <a:t>Advantages</a:t>
+            </a:r>
+            <a:endParaRPr lang="en-IN" sz="3600" u="sng" dirty="0"/>
+          </a:p>
+        </p:txBody>
+      </p:sp>
+      <p:sp>
+        <p:nvSpPr>
+          <p:cNvPr id="3" name="Content Placeholder 2"/>
+          <p:cNvSpPr>
+            <a:spLocks noGrp="1"/>
+          </p:cNvSpPr>
+          <p:nvPr>
+            <p:ph idx="1"/>
+          </p:nvPr>
+        </p:nvSpPr>
+        <p:spPr/>
+        <p:txBody>
+          <a:bodyPr>
+            <a:normAutofit/>
+          </a:bodyPr>
+          <a:lstStyle/>
+          <a:p>
+            <a:pPr fontAlgn="base"/>
+            <a:r>
+              <a:rPr lang="en-US" sz="2800" dirty="0"/>
+              <a:t>An RNN remembers each and every information through time. It is useful in time series prediction only because of the feature to remember previous inputs as well. This is called Long Short Term Memory.</a:t>
+            </a:r>
+          </a:p>
+          <a:p>
+            <a:pPr fontAlgn="base"/>
+            <a:r>
+              <a:rPr lang="en-US" sz="2800" dirty="0"/>
+              <a:t>Recurrent neural network are even used with convolutional layers to extend the effective pixel neighborhood</a:t>
+            </a:r>
+            <a:r>
+              <a:rPr lang="en-US" sz="2800" dirty="0" smtClean="0"/>
+              <a:t>.</a:t>
+            </a:r>
+            <a:endParaRPr lang="en-US" sz="2800" dirty="0"/>
           </a:p>
         </p:txBody>
       </p:sp>
     </p:spTree>
     <p:extLst>
       <p:ext uri="{BB962C8B-B14F-4D97-AF65-F5344CB8AC3E}">
-        <p14:creationId xmlns:p14="http://schemas.microsoft.com/office/powerpoint/2010/main" val="1182805688"/>
+        <p14:creationId xmlns:p14="http://schemas.microsoft.com/office/powerpoint/2010/main" val="3785587823"/>
       </p:ext>
     </p:extLst>
   </p:cSld>
@@ -3490,6 +3675,1063 @@
       </p:par>
     </p:tnLst>
   </p:timing>
+</p:sld>
+</file>
+
+<file path=ppt/slides/slide13.xml><?xml version="1.0" encoding="utf-8"?>
+<p:sld xmlns:a="http://schemas.openxmlformats.org/drawingml/2006/main" xmlns:r="http://schemas.openxmlformats.org/officeDocument/2006/relationships" xmlns:p="http://schemas.openxmlformats.org/presentationml/2006/main">
+  <p:cSld>
+    <p:spTree>
+      <p:nvGrpSpPr>
+        <p:cNvPr id="1" name=""/>
+        <p:cNvGrpSpPr/>
+        <p:nvPr/>
+      </p:nvGrpSpPr>
+      <p:grpSpPr>
+        <a:xfrm>
+          <a:off x="0" y="0"/>
+          <a:ext cx="0" cy="0"/>
+          <a:chOff x="0" y="0"/>
+          <a:chExt cx="0" cy="0"/>
+        </a:xfrm>
+      </p:grpSpPr>
+      <p:sp>
+        <p:nvSpPr>
+          <p:cNvPr id="2" name="Title 1"/>
+          <p:cNvSpPr>
+            <a:spLocks noGrp="1"/>
+          </p:cNvSpPr>
+          <p:nvPr>
+            <p:ph type="title"/>
+          </p:nvPr>
+        </p:nvSpPr>
+        <p:spPr/>
+        <p:txBody>
+          <a:bodyPr>
+            <a:normAutofit/>
+          </a:bodyPr>
+          <a:lstStyle/>
+          <a:p>
+            <a:r>
+              <a:rPr lang="en-US" u="sng" dirty="0" smtClean="0"/>
+              <a:t>Disadvantages</a:t>
+            </a:r>
+            <a:endParaRPr lang="en-IN" u="sng" dirty="0"/>
+          </a:p>
+        </p:txBody>
+      </p:sp>
+      <p:sp>
+        <p:nvSpPr>
+          <p:cNvPr id="3" name="Content Placeholder 2"/>
+          <p:cNvSpPr>
+            <a:spLocks noGrp="1"/>
+          </p:cNvSpPr>
+          <p:nvPr>
+            <p:ph idx="1"/>
+          </p:nvPr>
+        </p:nvSpPr>
+        <p:spPr/>
+        <p:txBody>
+          <a:bodyPr>
+            <a:normAutofit/>
+          </a:bodyPr>
+          <a:lstStyle/>
+          <a:p>
+            <a:pPr fontAlgn="base"/>
+            <a:r>
+              <a:rPr lang="en-US" sz="2800" dirty="0"/>
+              <a:t>Gradient vanishing and exploding problems.</a:t>
+            </a:r>
+          </a:p>
+          <a:p>
+            <a:pPr fontAlgn="base"/>
+            <a:r>
+              <a:rPr lang="en-US" sz="2800" dirty="0"/>
+              <a:t>Training an RNN is a very difficult task.</a:t>
+            </a:r>
+          </a:p>
+          <a:p>
+            <a:pPr fontAlgn="base"/>
+            <a:r>
+              <a:rPr lang="en-US" sz="2800" dirty="0"/>
+              <a:t>It cannot process very long sequences if using </a:t>
+            </a:r>
+            <a:r>
+              <a:rPr lang="en-US" sz="2800" dirty="0" err="1"/>
+              <a:t>tanh</a:t>
+            </a:r>
+            <a:r>
+              <a:rPr lang="en-US" sz="2800" dirty="0"/>
+              <a:t> or </a:t>
+            </a:r>
+            <a:r>
+              <a:rPr lang="en-US" sz="2800" dirty="0" err="1"/>
+              <a:t>relu</a:t>
+            </a:r>
+            <a:r>
+              <a:rPr lang="en-US" sz="2800" dirty="0"/>
+              <a:t> as an activation function</a:t>
+            </a:r>
+            <a:r>
+              <a:rPr lang="en-US" sz="2800" dirty="0" smtClean="0"/>
+              <a:t>.</a:t>
+            </a:r>
+            <a:endParaRPr lang="en-US" sz="2800" dirty="0"/>
+          </a:p>
+        </p:txBody>
+      </p:sp>
+    </p:spTree>
+    <p:extLst>
+      <p:ext uri="{BB962C8B-B14F-4D97-AF65-F5344CB8AC3E}">
+        <p14:creationId xmlns:p14="http://schemas.microsoft.com/office/powerpoint/2010/main" val="1798125238"/>
+      </p:ext>
+    </p:extLst>
+  </p:cSld>
+  <p:clrMapOvr>
+    <a:masterClrMapping/>
+  </p:clrMapOvr>
+  <p:timing>
+    <p:tnLst>
+      <p:par>
+        <p:cTn id="1" dur="indefinite" restart="never" nodeType="tmRoot"/>
+      </p:par>
+    </p:tnLst>
+  </p:timing>
+</p:sld>
+</file>
+
+<file path=ppt/slides/slide14.xml><?xml version="1.0" encoding="utf-8"?>
+<p:sld xmlns:a="http://schemas.openxmlformats.org/drawingml/2006/main" xmlns:r="http://schemas.openxmlformats.org/officeDocument/2006/relationships" xmlns:p="http://schemas.openxmlformats.org/presentationml/2006/main">
+  <p:cSld>
+    <p:spTree>
+      <p:nvGrpSpPr>
+        <p:cNvPr id="1" name=""/>
+        <p:cNvGrpSpPr/>
+        <p:nvPr/>
+      </p:nvGrpSpPr>
+      <p:grpSpPr>
+        <a:xfrm>
+          <a:off x="0" y="0"/>
+          <a:ext cx="0" cy="0"/>
+          <a:chOff x="0" y="0"/>
+          <a:chExt cx="0" cy="0"/>
+        </a:xfrm>
+      </p:grpSpPr>
+      <p:sp>
+        <p:nvSpPr>
+          <p:cNvPr id="2" name="Title 1"/>
+          <p:cNvSpPr>
+            <a:spLocks noGrp="1"/>
+          </p:cNvSpPr>
+          <p:nvPr>
+            <p:ph type="title"/>
+          </p:nvPr>
+        </p:nvSpPr>
+        <p:spPr/>
+        <p:txBody>
+          <a:bodyPr>
+            <a:normAutofit fontScale="90000"/>
+          </a:bodyPr>
+          <a:lstStyle/>
+          <a:p>
+            <a:r>
+              <a:rPr lang="en-US" u="sng" dirty="0"/>
+              <a:t>Making Your Model Learn Addition</a:t>
+            </a:r>
+            <a:r>
+              <a:rPr lang="en-US" u="sng" dirty="0" smtClean="0"/>
+              <a:t>!</a:t>
+            </a:r>
+            <a:endParaRPr lang="en-IN" u="sng" dirty="0"/>
+          </a:p>
+        </p:txBody>
+      </p:sp>
+      <p:sp>
+        <p:nvSpPr>
+          <p:cNvPr id="3" name="Content Placeholder 2"/>
+          <p:cNvSpPr>
+            <a:spLocks noGrp="1"/>
+          </p:cNvSpPr>
+          <p:nvPr>
+            <p:ph idx="1"/>
+          </p:nvPr>
+        </p:nvSpPr>
+        <p:spPr/>
+        <p:txBody>
+          <a:bodyPr/>
+          <a:lstStyle/>
+          <a:p>
+            <a:r>
+              <a:rPr lang="en-US" dirty="0"/>
+              <a:t>Given the string "54+7", the model should </a:t>
+            </a:r>
+            <a:r>
+              <a:rPr lang="en-US" dirty="0" smtClean="0"/>
+              <a:t>return</a:t>
+            </a:r>
+            <a:r>
+              <a:rPr lang="en-US" dirty="0"/>
+              <a:t> a prediction: "61</a:t>
+            </a:r>
+            <a:r>
+              <a:rPr lang="en-US" dirty="0" smtClean="0"/>
+              <a:t>"</a:t>
+            </a:r>
+            <a:endParaRPr lang="en-US" dirty="0"/>
+          </a:p>
+        </p:txBody>
+      </p:sp>
+      <p:pic>
+        <p:nvPicPr>
+          <p:cNvPr id="1026" name="Picture 2" descr="Addition - Wikipedia"/>
+          <p:cNvPicPr>
+            <a:picLocks noChangeAspect="1" noChangeArrowheads="1"/>
+          </p:cNvPicPr>
+          <p:nvPr/>
+        </p:nvPicPr>
+        <p:blipFill>
+          <a:blip r:embed="rId2">
+            <a:extLst>
+              <a:ext uri="{28A0092B-C50C-407E-A947-70E740481C1C}">
+                <a14:useLocalDpi xmlns:a14="http://schemas.microsoft.com/office/drawing/2010/main" val="0"/>
+              </a:ext>
+            </a:extLst>
+          </a:blip>
+          <a:srcRect/>
+          <a:stretch>
+            <a:fillRect/>
+          </a:stretch>
+        </p:blipFill>
+        <p:spPr bwMode="auto">
+          <a:xfrm>
+            <a:off x="1115616" y="3501009"/>
+            <a:ext cx="1905000" cy="1809751"/>
+          </a:xfrm>
+          <a:prstGeom prst="rect">
+            <a:avLst/>
+          </a:prstGeom>
+          <a:noFill/>
+          <a:extLst>
+            <a:ext uri="{909E8E84-426E-40DD-AFC4-6F175D3DCCD1}">
+              <a14:hiddenFill xmlns:a14="http://schemas.microsoft.com/office/drawing/2010/main">
+                <a:solidFill>
+                  <a:srgbClr val="FFFFFF"/>
+                </a:solidFill>
+              </a14:hiddenFill>
+            </a:ext>
+          </a:extLst>
+        </p:spPr>
+      </p:pic>
+      <p:pic>
+        <p:nvPicPr>
+          <p:cNvPr id="1028" name="Picture 4" descr="Learn Simple Addition"/>
+          <p:cNvPicPr>
+            <a:picLocks noChangeAspect="1" noChangeArrowheads="1"/>
+          </p:cNvPicPr>
+          <p:nvPr/>
+        </p:nvPicPr>
+        <p:blipFill>
+          <a:blip r:embed="rId3">
+            <a:extLst>
+              <a:ext uri="{28A0092B-C50C-407E-A947-70E740481C1C}">
+                <a14:useLocalDpi xmlns:a14="http://schemas.microsoft.com/office/drawing/2010/main" val="0"/>
+              </a:ext>
+            </a:extLst>
+          </a:blip>
+          <a:srcRect/>
+          <a:stretch>
+            <a:fillRect/>
+          </a:stretch>
+        </p:blipFill>
+        <p:spPr bwMode="auto">
+          <a:xfrm>
+            <a:off x="3779912" y="3501009"/>
+            <a:ext cx="4464496" cy="1865304"/>
+          </a:xfrm>
+          <a:prstGeom prst="rect">
+            <a:avLst/>
+          </a:prstGeom>
+          <a:noFill/>
+          <a:extLst>
+            <a:ext uri="{909E8E84-426E-40DD-AFC4-6F175D3DCCD1}">
+              <a14:hiddenFill xmlns:a14="http://schemas.microsoft.com/office/drawing/2010/main">
+                <a:solidFill>
+                  <a:srgbClr val="FFFFFF"/>
+                </a:solidFill>
+              </a14:hiddenFill>
+            </a:ext>
+          </a:extLst>
+        </p:spPr>
+      </p:pic>
+    </p:spTree>
+    <p:extLst>
+      <p:ext uri="{BB962C8B-B14F-4D97-AF65-F5344CB8AC3E}">
+        <p14:creationId xmlns:p14="http://schemas.microsoft.com/office/powerpoint/2010/main" val="2505479296"/>
+      </p:ext>
+    </p:extLst>
+  </p:cSld>
+  <p:clrMapOvr>
+    <a:masterClrMapping/>
+  </p:clrMapOvr>
+  <p:timing>
+    <p:tnLst>
+      <p:par>
+        <p:cTn id="1" dur="indefinite" restart="never" nodeType="tmRoot"/>
+      </p:par>
+    </p:tnLst>
+  </p:timing>
+</p:sld>
+</file>
+
+<file path=ppt/slides/slide15.xml><?xml version="1.0" encoding="utf-8"?>
+<p:sld xmlns:a="http://schemas.openxmlformats.org/drawingml/2006/main" xmlns:r="http://schemas.openxmlformats.org/officeDocument/2006/relationships" xmlns:p="http://schemas.openxmlformats.org/presentationml/2006/main">
+  <p:cSld>
+    <p:spTree>
+      <p:nvGrpSpPr>
+        <p:cNvPr id="1" name=""/>
+        <p:cNvGrpSpPr/>
+        <p:nvPr/>
+      </p:nvGrpSpPr>
+      <p:grpSpPr>
+        <a:xfrm>
+          <a:off x="0" y="0"/>
+          <a:ext cx="0" cy="0"/>
+          <a:chOff x="0" y="0"/>
+          <a:chExt cx="0" cy="0"/>
+        </a:xfrm>
+      </p:grpSpPr>
+      <p:sp>
+        <p:nvSpPr>
+          <p:cNvPr id="2" name="Title 1"/>
+          <p:cNvSpPr>
+            <a:spLocks noGrp="1"/>
+          </p:cNvSpPr>
+          <p:nvPr>
+            <p:ph type="title"/>
+          </p:nvPr>
+        </p:nvSpPr>
+        <p:spPr/>
+        <p:txBody>
+          <a:bodyPr/>
+          <a:lstStyle/>
+          <a:p>
+            <a:r>
+              <a:rPr lang="en-IN" u="sng" dirty="0" smtClean="0"/>
+              <a:t>Objectives</a:t>
+            </a:r>
+            <a:endParaRPr lang="en-IN" u="sng" dirty="0"/>
+          </a:p>
+        </p:txBody>
+      </p:sp>
+      <p:sp>
+        <p:nvSpPr>
+          <p:cNvPr id="3" name="Content Placeholder 2"/>
+          <p:cNvSpPr>
+            <a:spLocks noGrp="1"/>
+          </p:cNvSpPr>
+          <p:nvPr>
+            <p:ph idx="1"/>
+          </p:nvPr>
+        </p:nvSpPr>
+        <p:spPr/>
+        <p:txBody>
+          <a:bodyPr/>
+          <a:lstStyle/>
+          <a:p>
+            <a:r>
+              <a:rPr lang="en-US" dirty="0"/>
+              <a:t>Create, train and evaluate a recurrent neural network model. </a:t>
+            </a:r>
+          </a:p>
+          <a:p>
+            <a:r>
+              <a:rPr lang="en-US" dirty="0"/>
+              <a:t>Train a sequence to sequence recurrent net to be able to solve simple addition equations given in string format.</a:t>
+            </a:r>
+            <a:endParaRPr lang="en-IN" dirty="0"/>
+          </a:p>
+          <a:p>
+            <a:endParaRPr lang="en-IN" dirty="0"/>
+          </a:p>
+        </p:txBody>
+      </p:sp>
+    </p:spTree>
+    <p:extLst>
+      <p:ext uri="{BB962C8B-B14F-4D97-AF65-F5344CB8AC3E}">
+        <p14:creationId xmlns:p14="http://schemas.microsoft.com/office/powerpoint/2010/main" val="2397458423"/>
+      </p:ext>
+    </p:extLst>
+  </p:cSld>
+  <p:clrMapOvr>
+    <a:masterClrMapping/>
+  </p:clrMapOvr>
+  <p:timing>
+    <p:tnLst>
+      <p:par>
+        <p:cTn id="1" dur="indefinite" restart="never" nodeType="tmRoot"/>
+      </p:par>
+    </p:tnLst>
+  </p:timing>
+</p:sld>
+</file>
+
+<file path=ppt/slides/slide16.xml><?xml version="1.0" encoding="utf-8"?>
+<p:sld xmlns:a="http://schemas.openxmlformats.org/drawingml/2006/main" xmlns:r="http://schemas.openxmlformats.org/officeDocument/2006/relationships" xmlns:p="http://schemas.openxmlformats.org/presentationml/2006/main">
+  <p:cSld>
+    <p:spTree>
+      <p:nvGrpSpPr>
+        <p:cNvPr id="1" name=""/>
+        <p:cNvGrpSpPr/>
+        <p:nvPr/>
+      </p:nvGrpSpPr>
+      <p:grpSpPr>
+        <a:xfrm>
+          <a:off x="0" y="0"/>
+          <a:ext cx="0" cy="0"/>
+          <a:chOff x="0" y="0"/>
+          <a:chExt cx="0" cy="0"/>
+        </a:xfrm>
+      </p:grpSpPr>
+      <p:sp>
+        <p:nvSpPr>
+          <p:cNvPr id="2" name="Title 1"/>
+          <p:cNvSpPr>
+            <a:spLocks noGrp="1"/>
+          </p:cNvSpPr>
+          <p:nvPr>
+            <p:ph type="title"/>
+          </p:nvPr>
+        </p:nvSpPr>
+        <p:spPr/>
+        <p:txBody>
+          <a:bodyPr>
+            <a:normAutofit/>
+          </a:bodyPr>
+          <a:lstStyle/>
+          <a:p>
+            <a:r>
+              <a:rPr lang="en-IN" u="sng" dirty="0"/>
+              <a:t>Generate </a:t>
+            </a:r>
+            <a:r>
+              <a:rPr lang="en-IN" u="sng" dirty="0" smtClean="0"/>
+              <a:t>Data</a:t>
+            </a:r>
+            <a:endParaRPr lang="en-IN" u="sng" dirty="0"/>
+          </a:p>
+        </p:txBody>
+      </p:sp>
+      <p:pic>
+        <p:nvPicPr>
+          <p:cNvPr id="3074" name="Picture 2"/>
+          <p:cNvPicPr>
+            <a:picLocks noChangeAspect="1" noChangeArrowheads="1"/>
+          </p:cNvPicPr>
+          <p:nvPr/>
+        </p:nvPicPr>
+        <p:blipFill>
+          <a:blip r:embed="rId2">
+            <a:extLst>
+              <a:ext uri="{28A0092B-C50C-407E-A947-70E740481C1C}">
+                <a14:useLocalDpi xmlns:a14="http://schemas.microsoft.com/office/drawing/2010/main" val="0"/>
+              </a:ext>
+            </a:extLst>
+          </a:blip>
+          <a:srcRect/>
+          <a:stretch>
+            <a:fillRect/>
+          </a:stretch>
+        </p:blipFill>
+        <p:spPr bwMode="auto">
+          <a:xfrm>
+            <a:off x="1753158" y="1340768"/>
+            <a:ext cx="5688632" cy="5084940"/>
+          </a:xfrm>
+          <a:prstGeom prst="rect">
+            <a:avLst/>
+          </a:prstGeom>
+          <a:noFill/>
+          <a:ln>
+            <a:noFill/>
+          </a:ln>
+          <a:effectLst/>
+          <a:extLst>
+            <a:ext uri="{909E8E84-426E-40DD-AFC4-6F175D3DCCD1}">
+              <a14:hiddenFill xmlns:a14="http://schemas.microsoft.com/office/drawing/2010/main">
+                <a:solidFill>
+                  <a:schemeClr val="accent1"/>
+                </a:solidFill>
+              </a14:hiddenFill>
+            </a:ext>
+            <a:ext uri="{91240B29-F687-4F45-9708-019B960494DF}">
+              <a14:hiddenLine xmlns:a14="http://schemas.microsoft.com/office/drawing/2010/main" w="9525">
+                <a:solidFill>
+                  <a:schemeClr val="tx1"/>
+                </a:solidFill>
+                <a:miter lim="800000"/>
+                <a:headEnd/>
+                <a:tailEnd/>
+              </a14:hiddenLine>
+            </a:ext>
+            <a:ext uri="{AF507438-7753-43E0-B8FC-AC1667EBCBE1}">
+              <a14:hiddenEffects xmlns:a14="http://schemas.microsoft.com/office/drawing/2010/main">
+                <a:effectLst>
+                  <a:outerShdw dist="35921" dir="2700000" algn="ctr" rotWithShape="0">
+                    <a:schemeClr val="bg2"/>
+                  </a:outerShdw>
+                </a:effectLst>
+              </a14:hiddenEffects>
+            </a:ext>
+          </a:extLst>
+        </p:spPr>
+      </p:pic>
+    </p:spTree>
+    <p:extLst>
+      <p:ext uri="{BB962C8B-B14F-4D97-AF65-F5344CB8AC3E}">
+        <p14:creationId xmlns:p14="http://schemas.microsoft.com/office/powerpoint/2010/main" val="3940624953"/>
+      </p:ext>
+    </p:extLst>
+  </p:cSld>
+  <p:clrMapOvr>
+    <a:masterClrMapping/>
+  </p:clrMapOvr>
+  <p:timing>
+    <p:tnLst>
+      <p:par>
+        <p:cTn id="1" dur="indefinite" restart="never" nodeType="tmRoot"/>
+      </p:par>
+    </p:tnLst>
+  </p:timing>
+</p:sld>
+</file>
+
+<file path=ppt/slides/slide17.xml><?xml version="1.0" encoding="utf-8"?>
+<p:sld xmlns:a="http://schemas.openxmlformats.org/drawingml/2006/main" xmlns:r="http://schemas.openxmlformats.org/officeDocument/2006/relationships" xmlns:p="http://schemas.openxmlformats.org/presentationml/2006/main">
+  <p:cSld>
+    <p:spTree>
+      <p:nvGrpSpPr>
+        <p:cNvPr id="1" name=""/>
+        <p:cNvGrpSpPr/>
+        <p:nvPr/>
+      </p:nvGrpSpPr>
+      <p:grpSpPr>
+        <a:xfrm>
+          <a:off x="0" y="0"/>
+          <a:ext cx="0" cy="0"/>
+          <a:chOff x="0" y="0"/>
+          <a:chExt cx="0" cy="0"/>
+        </a:xfrm>
+      </p:grpSpPr>
+      <p:sp>
+        <p:nvSpPr>
+          <p:cNvPr id="2" name="Title 1"/>
+          <p:cNvSpPr>
+            <a:spLocks noGrp="1"/>
+          </p:cNvSpPr>
+          <p:nvPr>
+            <p:ph type="title"/>
+          </p:nvPr>
+        </p:nvSpPr>
+        <p:spPr/>
+        <p:txBody>
+          <a:bodyPr>
+            <a:normAutofit/>
+          </a:bodyPr>
+          <a:lstStyle/>
+          <a:p>
+            <a:r>
+              <a:rPr lang="en-IN" u="sng" dirty="0"/>
+              <a:t>Create the </a:t>
+            </a:r>
+            <a:r>
+              <a:rPr lang="en-IN" u="sng" dirty="0" smtClean="0"/>
+              <a:t>Model</a:t>
+            </a:r>
+            <a:endParaRPr lang="en-IN" u="sng" dirty="0"/>
+          </a:p>
+        </p:txBody>
+      </p:sp>
+      <p:pic>
+        <p:nvPicPr>
+          <p:cNvPr id="4099" name="Picture 3"/>
+          <p:cNvPicPr>
+            <a:picLocks noChangeAspect="1" noChangeArrowheads="1"/>
+          </p:cNvPicPr>
+          <p:nvPr/>
+        </p:nvPicPr>
+        <p:blipFill>
+          <a:blip r:embed="rId2">
+            <a:extLst>
+              <a:ext uri="{28A0092B-C50C-407E-A947-70E740481C1C}">
+                <a14:useLocalDpi xmlns:a14="http://schemas.microsoft.com/office/drawing/2010/main" val="0"/>
+              </a:ext>
+            </a:extLst>
+          </a:blip>
+          <a:srcRect/>
+          <a:stretch>
+            <a:fillRect/>
+          </a:stretch>
+        </p:blipFill>
+        <p:spPr bwMode="auto">
+          <a:xfrm>
+            <a:off x="395536" y="1340767"/>
+            <a:ext cx="4648200" cy="2466975"/>
+          </a:xfrm>
+          <a:prstGeom prst="rect">
+            <a:avLst/>
+          </a:prstGeom>
+          <a:noFill/>
+          <a:ln>
+            <a:noFill/>
+          </a:ln>
+          <a:effectLst/>
+          <a:extLst>
+            <a:ext uri="{909E8E84-426E-40DD-AFC4-6F175D3DCCD1}">
+              <a14:hiddenFill xmlns:a14="http://schemas.microsoft.com/office/drawing/2010/main">
+                <a:solidFill>
+                  <a:schemeClr val="accent1"/>
+                </a:solidFill>
+              </a14:hiddenFill>
+            </a:ext>
+            <a:ext uri="{91240B29-F687-4F45-9708-019B960494DF}">
+              <a14:hiddenLine xmlns:a14="http://schemas.microsoft.com/office/drawing/2010/main" w="9525">
+                <a:solidFill>
+                  <a:schemeClr val="tx1"/>
+                </a:solidFill>
+                <a:miter lim="800000"/>
+                <a:headEnd/>
+                <a:tailEnd/>
+              </a14:hiddenLine>
+            </a:ext>
+            <a:ext uri="{AF507438-7753-43E0-B8FC-AC1667EBCBE1}">
+              <a14:hiddenEffects xmlns:a14="http://schemas.microsoft.com/office/drawing/2010/main">
+                <a:effectLst>
+                  <a:outerShdw dist="35921" dir="2700000" algn="ctr" rotWithShape="0">
+                    <a:schemeClr val="bg2"/>
+                  </a:outerShdw>
+                </a:effectLst>
+              </a14:hiddenEffects>
+            </a:ext>
+          </a:extLst>
+        </p:spPr>
+      </p:pic>
+      <p:pic>
+        <p:nvPicPr>
+          <p:cNvPr id="4100" name="Picture 4"/>
+          <p:cNvPicPr>
+            <a:picLocks noChangeAspect="1" noChangeArrowheads="1"/>
+          </p:cNvPicPr>
+          <p:nvPr/>
+        </p:nvPicPr>
+        <p:blipFill>
+          <a:blip r:embed="rId3">
+            <a:extLst>
+              <a:ext uri="{28A0092B-C50C-407E-A947-70E740481C1C}">
+                <a14:useLocalDpi xmlns:a14="http://schemas.microsoft.com/office/drawing/2010/main" val="0"/>
+              </a:ext>
+            </a:extLst>
+          </a:blip>
+          <a:srcRect/>
+          <a:stretch>
+            <a:fillRect/>
+          </a:stretch>
+        </p:blipFill>
+        <p:spPr bwMode="auto">
+          <a:xfrm>
+            <a:off x="3708387" y="3933056"/>
+            <a:ext cx="4886325" cy="2724150"/>
+          </a:xfrm>
+          <a:prstGeom prst="rect">
+            <a:avLst/>
+          </a:prstGeom>
+          <a:noFill/>
+          <a:ln>
+            <a:noFill/>
+          </a:ln>
+          <a:effectLst/>
+          <a:extLst>
+            <a:ext uri="{909E8E84-426E-40DD-AFC4-6F175D3DCCD1}">
+              <a14:hiddenFill xmlns:a14="http://schemas.microsoft.com/office/drawing/2010/main">
+                <a:solidFill>
+                  <a:schemeClr val="accent1"/>
+                </a:solidFill>
+              </a14:hiddenFill>
+            </a:ext>
+            <a:ext uri="{91240B29-F687-4F45-9708-019B960494DF}">
+              <a14:hiddenLine xmlns:a14="http://schemas.microsoft.com/office/drawing/2010/main" w="9525">
+                <a:solidFill>
+                  <a:schemeClr val="tx1"/>
+                </a:solidFill>
+                <a:miter lim="800000"/>
+                <a:headEnd/>
+                <a:tailEnd/>
+              </a14:hiddenLine>
+            </a:ext>
+            <a:ext uri="{AF507438-7753-43E0-B8FC-AC1667EBCBE1}">
+              <a14:hiddenEffects xmlns:a14="http://schemas.microsoft.com/office/drawing/2010/main">
+                <a:effectLst>
+                  <a:outerShdw dist="35921" dir="2700000" algn="ctr" rotWithShape="0">
+                    <a:schemeClr val="bg2"/>
+                  </a:outerShdw>
+                </a:effectLst>
+              </a14:hiddenEffects>
+            </a:ext>
+          </a:extLst>
+        </p:spPr>
+      </p:pic>
+    </p:spTree>
+    <p:extLst>
+      <p:ext uri="{BB962C8B-B14F-4D97-AF65-F5344CB8AC3E}">
+        <p14:creationId xmlns:p14="http://schemas.microsoft.com/office/powerpoint/2010/main" val="4166302068"/>
+      </p:ext>
+    </p:extLst>
+  </p:cSld>
+  <p:clrMapOvr>
+    <a:masterClrMapping/>
+  </p:clrMapOvr>
+  <p:timing>
+    <p:tnLst>
+      <p:par>
+        <p:cTn id="1" dur="indefinite" restart="never" nodeType="tmRoot"/>
+      </p:par>
+    </p:tnLst>
+  </p:timing>
+</p:sld>
+</file>
+
+<file path=ppt/slides/slide18.xml><?xml version="1.0" encoding="utf-8"?>
+<p:sld xmlns:a="http://schemas.openxmlformats.org/drawingml/2006/main" xmlns:r="http://schemas.openxmlformats.org/officeDocument/2006/relationships" xmlns:p="http://schemas.openxmlformats.org/presentationml/2006/main">
+  <p:cSld>
+    <p:spTree>
+      <p:nvGrpSpPr>
+        <p:cNvPr id="1" name=""/>
+        <p:cNvGrpSpPr/>
+        <p:nvPr/>
+      </p:nvGrpSpPr>
+      <p:grpSpPr>
+        <a:xfrm>
+          <a:off x="0" y="0"/>
+          <a:ext cx="0" cy="0"/>
+          <a:chOff x="0" y="0"/>
+          <a:chExt cx="0" cy="0"/>
+        </a:xfrm>
+      </p:grpSpPr>
+      <p:sp>
+        <p:nvSpPr>
+          <p:cNvPr id="2" name="Title 1"/>
+          <p:cNvSpPr>
+            <a:spLocks noGrp="1"/>
+          </p:cNvSpPr>
+          <p:nvPr>
+            <p:ph type="title"/>
+          </p:nvPr>
+        </p:nvSpPr>
+        <p:spPr/>
+        <p:txBody>
+          <a:bodyPr>
+            <a:normAutofit/>
+          </a:bodyPr>
+          <a:lstStyle/>
+          <a:p>
+            <a:r>
+              <a:rPr lang="en-IN" u="sng" dirty="0" smtClean="0"/>
+              <a:t>One Hot Encoding</a:t>
+            </a:r>
+            <a:endParaRPr lang="en-IN" u="sng" dirty="0"/>
+          </a:p>
+        </p:txBody>
+      </p:sp>
+      <p:pic>
+        <p:nvPicPr>
+          <p:cNvPr id="6146" name="Picture 2" descr="What is One Hot Encoding? Why And When do you have to use it ..."/>
+          <p:cNvPicPr>
+            <a:picLocks noChangeAspect="1" noChangeArrowheads="1"/>
+          </p:cNvPicPr>
+          <p:nvPr/>
+        </p:nvPicPr>
+        <p:blipFill>
+          <a:blip r:embed="rId2">
+            <a:extLst>
+              <a:ext uri="{28A0092B-C50C-407E-A947-70E740481C1C}">
+                <a14:useLocalDpi xmlns:a14="http://schemas.microsoft.com/office/drawing/2010/main" val="0"/>
+              </a:ext>
+            </a:extLst>
+          </a:blip>
+          <a:srcRect/>
+          <a:stretch>
+            <a:fillRect/>
+          </a:stretch>
+        </p:blipFill>
+        <p:spPr bwMode="auto">
+          <a:xfrm>
+            <a:off x="1331640" y="1641073"/>
+            <a:ext cx="6192688" cy="2412108"/>
+          </a:xfrm>
+          <a:prstGeom prst="rect">
+            <a:avLst/>
+          </a:prstGeom>
+          <a:noFill/>
+          <a:extLst>
+            <a:ext uri="{909E8E84-426E-40DD-AFC4-6F175D3DCCD1}">
+              <a14:hiddenFill xmlns:a14="http://schemas.microsoft.com/office/drawing/2010/main">
+                <a:solidFill>
+                  <a:srgbClr val="FFFFFF"/>
+                </a:solidFill>
+              </a14:hiddenFill>
+            </a:ext>
+          </a:extLst>
+        </p:spPr>
+      </p:pic>
+      <p:pic>
+        <p:nvPicPr>
+          <p:cNvPr id="5" name="Picture 5" descr="Using Categorical Data with One Hot Encoding | Kaggle"/>
+          <p:cNvPicPr>
+            <a:picLocks noChangeAspect="1" noChangeArrowheads="1"/>
+          </p:cNvPicPr>
+          <p:nvPr/>
+        </p:nvPicPr>
+        <p:blipFill>
+          <a:blip r:embed="rId3">
+            <a:extLst>
+              <a:ext uri="{28A0092B-C50C-407E-A947-70E740481C1C}">
+                <a14:useLocalDpi xmlns:a14="http://schemas.microsoft.com/office/drawing/2010/main" val="0"/>
+              </a:ext>
+            </a:extLst>
+          </a:blip>
+          <a:srcRect/>
+          <a:stretch>
+            <a:fillRect/>
+          </a:stretch>
+        </p:blipFill>
+        <p:spPr bwMode="auto">
+          <a:xfrm>
+            <a:off x="2483768" y="4509120"/>
+            <a:ext cx="4248472" cy="1666067"/>
+          </a:xfrm>
+          <a:prstGeom prst="rect">
+            <a:avLst/>
+          </a:prstGeom>
+          <a:noFill/>
+          <a:extLst>
+            <a:ext uri="{909E8E84-426E-40DD-AFC4-6F175D3DCCD1}">
+              <a14:hiddenFill xmlns:a14="http://schemas.microsoft.com/office/drawing/2010/main">
+                <a:solidFill>
+                  <a:srgbClr val="FFFFFF"/>
+                </a:solidFill>
+              </a14:hiddenFill>
+            </a:ext>
+          </a:extLst>
+        </p:spPr>
+      </p:pic>
+    </p:spTree>
+    <p:extLst>
+      <p:ext uri="{BB962C8B-B14F-4D97-AF65-F5344CB8AC3E}">
+        <p14:creationId xmlns:p14="http://schemas.microsoft.com/office/powerpoint/2010/main" val="3072882754"/>
+      </p:ext>
+    </p:extLst>
+  </p:cSld>
+  <p:clrMapOvr>
+    <a:masterClrMapping/>
+  </p:clrMapOvr>
+</p:sld>
+</file>
+
+<file path=ppt/slides/slide19.xml><?xml version="1.0" encoding="utf-8"?>
+<p:sld xmlns:a="http://schemas.openxmlformats.org/drawingml/2006/main" xmlns:r="http://schemas.openxmlformats.org/officeDocument/2006/relationships" xmlns:p="http://schemas.openxmlformats.org/presentationml/2006/main">
+  <p:cSld>
+    <p:spTree>
+      <p:nvGrpSpPr>
+        <p:cNvPr id="1" name=""/>
+        <p:cNvGrpSpPr/>
+        <p:nvPr/>
+      </p:nvGrpSpPr>
+      <p:grpSpPr>
+        <a:xfrm>
+          <a:off x="0" y="0"/>
+          <a:ext cx="0" cy="0"/>
+          <a:chOff x="0" y="0"/>
+          <a:chExt cx="0" cy="0"/>
+        </a:xfrm>
+      </p:grpSpPr>
+      <p:sp>
+        <p:nvSpPr>
+          <p:cNvPr id="2" name="Title 1"/>
+          <p:cNvSpPr>
+            <a:spLocks noGrp="1"/>
+          </p:cNvSpPr>
+          <p:nvPr>
+            <p:ph type="title"/>
+          </p:nvPr>
+        </p:nvSpPr>
+        <p:spPr/>
+        <p:txBody>
+          <a:bodyPr>
+            <a:normAutofit/>
+          </a:bodyPr>
+          <a:lstStyle/>
+          <a:p>
+            <a:r>
+              <a:rPr lang="en-IN" u="sng" dirty="0" err="1"/>
+              <a:t>Vectorize</a:t>
+            </a:r>
+            <a:r>
+              <a:rPr lang="en-IN" u="sng" dirty="0"/>
+              <a:t> and De-</a:t>
+            </a:r>
+            <a:r>
+              <a:rPr lang="en-IN" u="sng" dirty="0" err="1"/>
+              <a:t>Vectorize</a:t>
+            </a:r>
+            <a:r>
+              <a:rPr lang="en-IN" u="sng" dirty="0"/>
+              <a:t> </a:t>
+            </a:r>
+            <a:r>
+              <a:rPr lang="en-IN" u="sng" dirty="0" smtClean="0"/>
+              <a:t>Data</a:t>
+            </a:r>
+            <a:endParaRPr lang="en-IN" u="sng" dirty="0"/>
+          </a:p>
+        </p:txBody>
+      </p:sp>
+      <p:pic>
+        <p:nvPicPr>
+          <p:cNvPr id="5122" name="Picture 2"/>
+          <p:cNvPicPr>
+            <a:picLocks noChangeAspect="1" noChangeArrowheads="1"/>
+          </p:cNvPicPr>
+          <p:nvPr/>
+        </p:nvPicPr>
+        <p:blipFill>
+          <a:blip r:embed="rId2">
+            <a:extLst>
+              <a:ext uri="{28A0092B-C50C-407E-A947-70E740481C1C}">
+                <a14:useLocalDpi xmlns:a14="http://schemas.microsoft.com/office/drawing/2010/main" val="0"/>
+              </a:ext>
+            </a:extLst>
+          </a:blip>
+          <a:srcRect/>
+          <a:stretch>
+            <a:fillRect/>
+          </a:stretch>
+        </p:blipFill>
+        <p:spPr bwMode="auto">
+          <a:xfrm>
+            <a:off x="1078132" y="1412776"/>
+            <a:ext cx="3997924" cy="4536504"/>
+          </a:xfrm>
+          <a:prstGeom prst="rect">
+            <a:avLst/>
+          </a:prstGeom>
+          <a:noFill/>
+          <a:ln>
+            <a:noFill/>
+          </a:ln>
+          <a:effectLst/>
+          <a:extLst>
+            <a:ext uri="{909E8E84-426E-40DD-AFC4-6F175D3DCCD1}">
+              <a14:hiddenFill xmlns:a14="http://schemas.microsoft.com/office/drawing/2010/main">
+                <a:solidFill>
+                  <a:schemeClr val="accent1"/>
+                </a:solidFill>
+              </a14:hiddenFill>
+            </a:ext>
+            <a:ext uri="{91240B29-F687-4F45-9708-019B960494DF}">
+              <a14:hiddenLine xmlns:a14="http://schemas.microsoft.com/office/drawing/2010/main" w="9525">
+                <a:solidFill>
+                  <a:schemeClr val="tx1"/>
+                </a:solidFill>
+                <a:miter lim="800000"/>
+                <a:headEnd/>
+                <a:tailEnd/>
+              </a14:hiddenLine>
+            </a:ext>
+            <a:ext uri="{AF507438-7753-43E0-B8FC-AC1667EBCBE1}">
+              <a14:hiddenEffects xmlns:a14="http://schemas.microsoft.com/office/drawing/2010/main">
+                <a:effectLst>
+                  <a:outerShdw dist="35921" dir="2700000" algn="ctr" rotWithShape="0">
+                    <a:schemeClr val="bg2"/>
+                  </a:outerShdw>
+                </a:effectLst>
+              </a14:hiddenEffects>
+            </a:ext>
+          </a:extLst>
+        </p:spPr>
+      </p:pic>
+      <p:pic>
+        <p:nvPicPr>
+          <p:cNvPr id="5123" name="Picture 3"/>
+          <p:cNvPicPr>
+            <a:picLocks noChangeAspect="1" noChangeArrowheads="1"/>
+          </p:cNvPicPr>
+          <p:nvPr/>
+        </p:nvPicPr>
+        <p:blipFill>
+          <a:blip r:embed="rId3">
+            <a:extLst>
+              <a:ext uri="{28A0092B-C50C-407E-A947-70E740481C1C}">
+                <a14:useLocalDpi xmlns:a14="http://schemas.microsoft.com/office/drawing/2010/main" val="0"/>
+              </a:ext>
+            </a:extLst>
+          </a:blip>
+          <a:srcRect/>
+          <a:stretch>
+            <a:fillRect/>
+          </a:stretch>
+        </p:blipFill>
+        <p:spPr bwMode="auto">
+          <a:xfrm>
+            <a:off x="1078132" y="5949280"/>
+            <a:ext cx="3914775" cy="466725"/>
+          </a:xfrm>
+          <a:prstGeom prst="rect">
+            <a:avLst/>
+          </a:prstGeom>
+          <a:noFill/>
+          <a:ln>
+            <a:noFill/>
+          </a:ln>
+          <a:effectLst/>
+          <a:extLst>
+            <a:ext uri="{909E8E84-426E-40DD-AFC4-6F175D3DCCD1}">
+              <a14:hiddenFill xmlns:a14="http://schemas.microsoft.com/office/drawing/2010/main">
+                <a:solidFill>
+                  <a:schemeClr val="accent1"/>
+                </a:solidFill>
+              </a14:hiddenFill>
+            </a:ext>
+            <a:ext uri="{91240B29-F687-4F45-9708-019B960494DF}">
+              <a14:hiddenLine xmlns:a14="http://schemas.microsoft.com/office/drawing/2010/main" w="9525">
+                <a:solidFill>
+                  <a:schemeClr val="tx1"/>
+                </a:solidFill>
+                <a:miter lim="800000"/>
+                <a:headEnd/>
+                <a:tailEnd/>
+              </a14:hiddenLine>
+            </a:ext>
+            <a:ext uri="{AF507438-7753-43E0-B8FC-AC1667EBCBE1}">
+              <a14:hiddenEffects xmlns:a14="http://schemas.microsoft.com/office/drawing/2010/main">
+                <a:effectLst>
+                  <a:outerShdw dist="35921" dir="2700000" algn="ctr" rotWithShape="0">
+                    <a:schemeClr val="bg2"/>
+                  </a:outerShdw>
+                </a:effectLst>
+              </a14:hiddenEffects>
+            </a:ext>
+          </a:extLst>
+        </p:spPr>
+      </p:pic>
+    </p:spTree>
+    <p:extLst>
+      <p:ext uri="{BB962C8B-B14F-4D97-AF65-F5344CB8AC3E}">
+        <p14:creationId xmlns:p14="http://schemas.microsoft.com/office/powerpoint/2010/main" val="844164498"/>
+      </p:ext>
+    </p:extLst>
+  </p:cSld>
+  <p:clrMapOvr>
+    <a:masterClrMapping/>
+  </p:clrMapOvr>
 </p:sld>
 </file>
 
@@ -3522,81 +4764,789 @@
         </p:nvSpPr>
         <p:spPr/>
         <p:txBody>
+          <a:bodyPr/>
+          <a:lstStyle/>
+          <a:p>
+            <a:r>
+              <a:rPr lang="en-IN" dirty="0" smtClean="0"/>
+              <a:t>Topics</a:t>
+            </a:r>
+            <a:endParaRPr lang="en-IN" dirty="0"/>
+          </a:p>
+        </p:txBody>
+      </p:sp>
+      <p:sp>
+        <p:nvSpPr>
+          <p:cNvPr id="3" name="Content Placeholder 2"/>
+          <p:cNvSpPr>
+            <a:spLocks noGrp="1"/>
+          </p:cNvSpPr>
+          <p:nvPr>
+            <p:ph idx="1"/>
+          </p:nvPr>
+        </p:nvSpPr>
+        <p:spPr/>
+        <p:txBody>
+          <a:bodyPr/>
+          <a:lstStyle/>
+          <a:p>
+            <a:r>
+              <a:rPr lang="en-IN" dirty="0" smtClean="0"/>
+              <a:t>Sequence to Sequence Modelling</a:t>
+            </a:r>
+          </a:p>
+          <a:p>
+            <a:r>
+              <a:rPr lang="en-IN" dirty="0" smtClean="0"/>
+              <a:t>Intro to RNN</a:t>
+            </a:r>
+          </a:p>
+          <a:p>
+            <a:r>
+              <a:rPr lang="en-IN" dirty="0" smtClean="0"/>
+              <a:t>Working of RNN</a:t>
+            </a:r>
+          </a:p>
+          <a:p>
+            <a:r>
+              <a:rPr lang="en-IN" dirty="0" smtClean="0"/>
+              <a:t>Applications </a:t>
+            </a:r>
+          </a:p>
+          <a:p>
+            <a:r>
+              <a:rPr lang="en-IN" dirty="0" smtClean="0"/>
+              <a:t>Advantages</a:t>
+            </a:r>
+          </a:p>
+          <a:p>
+            <a:r>
+              <a:rPr lang="en-IN" dirty="0" smtClean="0"/>
+              <a:t>Disadvantages</a:t>
+            </a:r>
+          </a:p>
+          <a:p>
+            <a:r>
+              <a:rPr lang="en-US" dirty="0" smtClean="0"/>
+              <a:t>Project - Making</a:t>
+            </a:r>
+            <a:r>
+              <a:rPr lang="en-US" dirty="0"/>
+              <a:t> Your Model Learn Addition!</a:t>
+            </a:r>
+            <a:endParaRPr lang="en-IN" dirty="0" smtClean="0"/>
+          </a:p>
+          <a:p>
+            <a:endParaRPr lang="en-IN" dirty="0"/>
+          </a:p>
+        </p:txBody>
+      </p:sp>
+    </p:spTree>
+    <p:extLst>
+      <p:ext uri="{BB962C8B-B14F-4D97-AF65-F5344CB8AC3E}">
+        <p14:creationId xmlns:p14="http://schemas.microsoft.com/office/powerpoint/2010/main" val="3400318385"/>
+      </p:ext>
+    </p:extLst>
+  </p:cSld>
+  <p:clrMapOvr>
+    <a:masterClrMapping/>
+  </p:clrMapOvr>
+</p:sld>
+</file>
+
+<file path=ppt/slides/slide20.xml><?xml version="1.0" encoding="utf-8"?>
+<p:sld xmlns:a="http://schemas.openxmlformats.org/drawingml/2006/main" xmlns:r="http://schemas.openxmlformats.org/officeDocument/2006/relationships" xmlns:p="http://schemas.openxmlformats.org/presentationml/2006/main">
+  <p:cSld>
+    <p:spTree>
+      <p:nvGrpSpPr>
+        <p:cNvPr id="1" name=""/>
+        <p:cNvGrpSpPr/>
+        <p:nvPr/>
+      </p:nvGrpSpPr>
+      <p:grpSpPr>
+        <a:xfrm>
+          <a:off x="0" y="0"/>
+          <a:ext cx="0" cy="0"/>
+          <a:chOff x="0" y="0"/>
+          <a:chExt cx="0" cy="0"/>
+        </a:xfrm>
+      </p:grpSpPr>
+      <p:sp>
+        <p:nvSpPr>
+          <p:cNvPr id="2" name="Title 1"/>
+          <p:cNvSpPr>
+            <a:spLocks noGrp="1"/>
+          </p:cNvSpPr>
+          <p:nvPr>
+            <p:ph type="title"/>
+          </p:nvPr>
+        </p:nvSpPr>
+        <p:spPr/>
+        <p:txBody>
           <a:bodyPr>
             <a:normAutofit/>
           </a:bodyPr>
           <a:lstStyle/>
           <a:p>
             <a:r>
-              <a:rPr lang="en-IN" dirty="0"/>
-              <a:t>Introduction </a:t>
-            </a:r>
-          </a:p>
-        </p:txBody>
-      </p:sp>
-      <p:sp>
-        <p:nvSpPr>
-          <p:cNvPr id="3" name="Content Placeholder 2"/>
-          <p:cNvSpPr>
-            <a:spLocks noGrp="1"/>
-          </p:cNvSpPr>
-          <p:nvPr>
-            <p:ph idx="1"/>
-          </p:nvPr>
-        </p:nvSpPr>
-        <p:spPr/>
-        <p:txBody>
-          <a:bodyPr>
-            <a:normAutofit fontScale="85000" lnSpcReduction="10000"/>
-          </a:bodyPr>
-          <a:lstStyle/>
-          <a:p>
-            <a:r>
-              <a:rPr lang="en-US" b="1" dirty="0"/>
-              <a:t>Recurrent Neural Network(RNN)</a:t>
-            </a:r>
-            <a:r>
-              <a:rPr lang="en-US" dirty="0"/>
-              <a:t> are a type of Neural Network where the </a:t>
-            </a:r>
-            <a:r>
-              <a:rPr lang="en-US" b="1" dirty="0"/>
-              <a:t>output from previous step are fed as input to the current step</a:t>
-            </a:r>
-            <a:r>
-              <a:rPr lang="en-US" dirty="0"/>
-              <a:t>. </a:t>
-            </a:r>
-            <a:endParaRPr lang="en-US" dirty="0" smtClean="0"/>
-          </a:p>
-          <a:p>
-            <a:r>
-              <a:rPr lang="en-US" dirty="0" smtClean="0"/>
-              <a:t>In </a:t>
-            </a:r>
-            <a:r>
-              <a:rPr lang="en-US" dirty="0"/>
-              <a:t>traditional neural networks, all the inputs and outputs are independent of each other, but in cases like when it is required to predict the next word of a sentence, the previous words are required and hence there is a need to remember the previous words. </a:t>
-            </a:r>
-            <a:endParaRPr lang="en-US" dirty="0" smtClean="0"/>
-          </a:p>
-          <a:p>
-            <a:r>
-              <a:rPr lang="en-US" dirty="0" smtClean="0"/>
-              <a:t>Thus </a:t>
-            </a:r>
-            <a:r>
-              <a:rPr lang="en-US" dirty="0"/>
-              <a:t>RNN came into existence, which solved this issue with the help of a Hidden Layer. </a:t>
-            </a:r>
-            <a:endParaRPr lang="en-IN" dirty="0"/>
-          </a:p>
-        </p:txBody>
-      </p:sp>
+              <a:rPr lang="en-IN" u="sng" dirty="0"/>
+              <a:t>Create </a:t>
+            </a:r>
+            <a:r>
+              <a:rPr lang="en-IN" u="sng" dirty="0" smtClean="0"/>
+              <a:t>Dataset</a:t>
+            </a:r>
+            <a:endParaRPr lang="en-IN" u="sng" dirty="0"/>
+          </a:p>
+        </p:txBody>
+      </p:sp>
+      <p:pic>
+        <p:nvPicPr>
+          <p:cNvPr id="7170" name="Picture 2"/>
+          <p:cNvPicPr>
+            <a:picLocks noChangeAspect="1" noChangeArrowheads="1"/>
+          </p:cNvPicPr>
+          <p:nvPr/>
+        </p:nvPicPr>
+        <p:blipFill>
+          <a:blip r:embed="rId2">
+            <a:extLst>
+              <a:ext uri="{28A0092B-C50C-407E-A947-70E740481C1C}">
+                <a14:useLocalDpi xmlns:a14="http://schemas.microsoft.com/office/drawing/2010/main" val="0"/>
+              </a:ext>
+            </a:extLst>
+          </a:blip>
+          <a:srcRect/>
+          <a:stretch>
+            <a:fillRect/>
+          </a:stretch>
+        </p:blipFill>
+        <p:spPr bwMode="auto">
+          <a:xfrm>
+            <a:off x="827584" y="1979498"/>
+            <a:ext cx="7438079" cy="4113798"/>
+          </a:xfrm>
+          <a:prstGeom prst="rect">
+            <a:avLst/>
+          </a:prstGeom>
+          <a:noFill/>
+          <a:ln>
+            <a:noFill/>
+          </a:ln>
+          <a:effectLst/>
+          <a:extLst>
+            <a:ext uri="{909E8E84-426E-40DD-AFC4-6F175D3DCCD1}">
+              <a14:hiddenFill xmlns:a14="http://schemas.microsoft.com/office/drawing/2010/main">
+                <a:solidFill>
+                  <a:schemeClr val="accent1"/>
+                </a:solidFill>
+              </a14:hiddenFill>
+            </a:ext>
+            <a:ext uri="{91240B29-F687-4F45-9708-019B960494DF}">
+              <a14:hiddenLine xmlns:a14="http://schemas.microsoft.com/office/drawing/2010/main" w="9525">
+                <a:solidFill>
+                  <a:schemeClr val="tx1"/>
+                </a:solidFill>
+                <a:miter lim="800000"/>
+                <a:headEnd/>
+                <a:tailEnd/>
+              </a14:hiddenLine>
+            </a:ext>
+            <a:ext uri="{AF507438-7753-43E0-B8FC-AC1667EBCBE1}">
+              <a14:hiddenEffects xmlns:a14="http://schemas.microsoft.com/office/drawing/2010/main">
+                <a:effectLst>
+                  <a:outerShdw dist="35921" dir="2700000" algn="ctr" rotWithShape="0">
+                    <a:schemeClr val="bg2"/>
+                  </a:outerShdw>
+                </a:effectLst>
+              </a14:hiddenEffects>
+            </a:ext>
+          </a:extLst>
+        </p:spPr>
+      </p:pic>
     </p:spTree>
     <p:extLst>
       <p:ext uri="{BB962C8B-B14F-4D97-AF65-F5344CB8AC3E}">
-        <p14:creationId xmlns:p14="http://schemas.microsoft.com/office/powerpoint/2010/main" val="505727957"/>
+        <p14:creationId xmlns:p14="http://schemas.microsoft.com/office/powerpoint/2010/main" val="42737469"/>
+      </p:ext>
+    </p:extLst>
+  </p:cSld>
+  <p:clrMapOvr>
+    <a:masterClrMapping/>
+  </p:clrMapOvr>
+</p:sld>
+</file>
+
+<file path=ppt/slides/slide21.xml><?xml version="1.0" encoding="utf-8"?>
+<p:sld xmlns:a="http://schemas.openxmlformats.org/drawingml/2006/main" xmlns:r="http://schemas.openxmlformats.org/officeDocument/2006/relationships" xmlns:p="http://schemas.openxmlformats.org/presentationml/2006/main">
+  <p:cSld>
+    <p:spTree>
+      <p:nvGrpSpPr>
+        <p:cNvPr id="1" name=""/>
+        <p:cNvGrpSpPr/>
+        <p:nvPr/>
+      </p:nvGrpSpPr>
+      <p:grpSpPr>
+        <a:xfrm>
+          <a:off x="0" y="0"/>
+          <a:ext cx="0" cy="0"/>
+          <a:chOff x="0" y="0"/>
+          <a:chExt cx="0" cy="0"/>
+        </a:xfrm>
+      </p:grpSpPr>
+      <p:sp>
+        <p:nvSpPr>
+          <p:cNvPr id="2" name="Title 1"/>
+          <p:cNvSpPr>
+            <a:spLocks noGrp="1"/>
+          </p:cNvSpPr>
+          <p:nvPr>
+            <p:ph type="title"/>
+          </p:nvPr>
+        </p:nvSpPr>
+        <p:spPr/>
+        <p:txBody>
+          <a:bodyPr>
+            <a:normAutofit/>
+          </a:bodyPr>
+          <a:lstStyle/>
+          <a:p>
+            <a:r>
+              <a:rPr lang="en-IN" u="sng" dirty="0"/>
+              <a:t>Training the </a:t>
+            </a:r>
+            <a:r>
+              <a:rPr lang="en-IN" u="sng" dirty="0" smtClean="0"/>
+              <a:t>Model</a:t>
+            </a:r>
+            <a:endParaRPr lang="en-IN" u="sng" dirty="0"/>
+          </a:p>
+        </p:txBody>
+      </p:sp>
+      <p:pic>
+        <p:nvPicPr>
+          <p:cNvPr id="8194" name="Picture 2"/>
+          <p:cNvPicPr>
+            <a:picLocks noChangeAspect="1" noChangeArrowheads="1"/>
+          </p:cNvPicPr>
+          <p:nvPr/>
+        </p:nvPicPr>
+        <p:blipFill>
+          <a:blip r:embed="rId2">
+            <a:extLst>
+              <a:ext uri="{28A0092B-C50C-407E-A947-70E740481C1C}">
+                <a14:useLocalDpi xmlns:a14="http://schemas.microsoft.com/office/drawing/2010/main" val="0"/>
+              </a:ext>
+            </a:extLst>
+          </a:blip>
+          <a:srcRect/>
+          <a:stretch>
+            <a:fillRect/>
+          </a:stretch>
+        </p:blipFill>
+        <p:spPr bwMode="auto">
+          <a:xfrm>
+            <a:off x="397391" y="2492896"/>
+            <a:ext cx="8558820" cy="2232248"/>
+          </a:xfrm>
+          <a:prstGeom prst="rect">
+            <a:avLst/>
+          </a:prstGeom>
+          <a:noFill/>
+          <a:ln>
+            <a:noFill/>
+          </a:ln>
+          <a:effectLst/>
+          <a:extLst>
+            <a:ext uri="{909E8E84-426E-40DD-AFC4-6F175D3DCCD1}">
+              <a14:hiddenFill xmlns:a14="http://schemas.microsoft.com/office/drawing/2010/main">
+                <a:solidFill>
+                  <a:schemeClr val="accent1"/>
+                </a:solidFill>
+              </a14:hiddenFill>
+            </a:ext>
+            <a:ext uri="{91240B29-F687-4F45-9708-019B960494DF}">
+              <a14:hiddenLine xmlns:a14="http://schemas.microsoft.com/office/drawing/2010/main" w="9525">
+                <a:solidFill>
+                  <a:schemeClr val="tx1"/>
+                </a:solidFill>
+                <a:miter lim="800000"/>
+                <a:headEnd/>
+                <a:tailEnd/>
+              </a14:hiddenLine>
+            </a:ext>
+            <a:ext uri="{AF507438-7753-43E0-B8FC-AC1667EBCBE1}">
+              <a14:hiddenEffects xmlns:a14="http://schemas.microsoft.com/office/drawing/2010/main">
+                <a:effectLst>
+                  <a:outerShdw dist="35921" dir="2700000" algn="ctr" rotWithShape="0">
+                    <a:schemeClr val="bg2"/>
+                  </a:outerShdw>
+                </a:effectLst>
+              </a14:hiddenEffects>
+            </a:ext>
+          </a:extLst>
+        </p:spPr>
+      </p:pic>
+    </p:spTree>
+    <p:extLst>
+      <p:ext uri="{BB962C8B-B14F-4D97-AF65-F5344CB8AC3E}">
+        <p14:creationId xmlns:p14="http://schemas.microsoft.com/office/powerpoint/2010/main" val="466193168"/>
+      </p:ext>
+    </p:extLst>
+  </p:cSld>
+  <p:clrMapOvr>
+    <a:masterClrMapping/>
+  </p:clrMapOvr>
+</p:sld>
+</file>
+
+<file path=ppt/slides/slide22.xml><?xml version="1.0" encoding="utf-8"?>
+<p:sld xmlns:a="http://schemas.openxmlformats.org/drawingml/2006/main" xmlns:r="http://schemas.openxmlformats.org/officeDocument/2006/relationships" xmlns:p="http://schemas.openxmlformats.org/presentationml/2006/main">
+  <p:cSld>
+    <p:spTree>
+      <p:nvGrpSpPr>
+        <p:cNvPr id="1" name=""/>
+        <p:cNvGrpSpPr/>
+        <p:nvPr/>
+      </p:nvGrpSpPr>
+      <p:grpSpPr>
+        <a:xfrm>
+          <a:off x="0" y="0"/>
+          <a:ext cx="0" cy="0"/>
+          <a:chOff x="0" y="0"/>
+          <a:chExt cx="0" cy="0"/>
+        </a:xfrm>
+      </p:grpSpPr>
+      <p:sp>
+        <p:nvSpPr>
+          <p:cNvPr id="2" name="Title 1"/>
+          <p:cNvSpPr>
+            <a:spLocks noGrp="1"/>
+          </p:cNvSpPr>
+          <p:nvPr>
+            <p:ph type="title"/>
+          </p:nvPr>
+        </p:nvSpPr>
+        <p:spPr/>
+        <p:txBody>
+          <a:bodyPr/>
+          <a:lstStyle/>
+          <a:p>
+            <a:r>
+              <a:rPr lang="en-IN" u="sng" dirty="0" smtClean="0"/>
+              <a:t>Creating </a:t>
+            </a:r>
+            <a:r>
+              <a:rPr lang="en-IN" u="sng" dirty="0" err="1" smtClean="0"/>
+              <a:t>testset</a:t>
+            </a:r>
+            <a:r>
+              <a:rPr lang="en-IN" u="sng" dirty="0" smtClean="0"/>
+              <a:t> for predicting</a:t>
+            </a:r>
+            <a:endParaRPr lang="en-IN" u="sng" dirty="0"/>
+          </a:p>
+        </p:txBody>
+      </p:sp>
+      <p:pic>
+        <p:nvPicPr>
+          <p:cNvPr id="9218" name="Picture 2"/>
+          <p:cNvPicPr>
+            <a:picLocks noChangeAspect="1" noChangeArrowheads="1"/>
+          </p:cNvPicPr>
+          <p:nvPr/>
+        </p:nvPicPr>
+        <p:blipFill>
+          <a:blip r:embed="rId2">
+            <a:extLst>
+              <a:ext uri="{28A0092B-C50C-407E-A947-70E740481C1C}">
+                <a14:useLocalDpi xmlns:a14="http://schemas.microsoft.com/office/drawing/2010/main" val="0"/>
+              </a:ext>
+            </a:extLst>
+          </a:blip>
+          <a:srcRect/>
+          <a:stretch>
+            <a:fillRect/>
+          </a:stretch>
+        </p:blipFill>
+        <p:spPr bwMode="auto">
+          <a:xfrm>
+            <a:off x="539552" y="1844824"/>
+            <a:ext cx="8293345" cy="3096344"/>
+          </a:xfrm>
+          <a:prstGeom prst="rect">
+            <a:avLst/>
+          </a:prstGeom>
+          <a:noFill/>
+          <a:ln>
+            <a:noFill/>
+          </a:ln>
+          <a:effectLst/>
+          <a:extLst>
+            <a:ext uri="{909E8E84-426E-40DD-AFC4-6F175D3DCCD1}">
+              <a14:hiddenFill xmlns:a14="http://schemas.microsoft.com/office/drawing/2010/main">
+                <a:solidFill>
+                  <a:schemeClr val="accent1"/>
+                </a:solidFill>
+              </a14:hiddenFill>
+            </a:ext>
+            <a:ext uri="{91240B29-F687-4F45-9708-019B960494DF}">
+              <a14:hiddenLine xmlns:a14="http://schemas.microsoft.com/office/drawing/2010/main" w="9525">
+                <a:solidFill>
+                  <a:schemeClr val="tx1"/>
+                </a:solidFill>
+                <a:miter lim="800000"/>
+                <a:headEnd/>
+                <a:tailEnd/>
+              </a14:hiddenLine>
+            </a:ext>
+            <a:ext uri="{AF507438-7753-43E0-B8FC-AC1667EBCBE1}">
+              <a14:hiddenEffects xmlns:a14="http://schemas.microsoft.com/office/drawing/2010/main">
+                <a:effectLst>
+                  <a:outerShdw dist="35921" dir="2700000" algn="ctr" rotWithShape="0">
+                    <a:schemeClr val="bg2"/>
+                  </a:outerShdw>
+                </a:effectLst>
+              </a14:hiddenEffects>
+            </a:ext>
+          </a:extLst>
+        </p:spPr>
+      </p:pic>
+    </p:spTree>
+    <p:extLst>
+      <p:ext uri="{BB962C8B-B14F-4D97-AF65-F5344CB8AC3E}">
+        <p14:creationId xmlns:p14="http://schemas.microsoft.com/office/powerpoint/2010/main" val="1209933307"/>
+      </p:ext>
+    </p:extLst>
+  </p:cSld>
+  <p:clrMapOvr>
+    <a:masterClrMapping/>
+  </p:clrMapOvr>
+</p:sld>
+</file>
+
+<file path=ppt/slides/slide23.xml><?xml version="1.0" encoding="utf-8"?>
+<p:sld xmlns:a="http://schemas.openxmlformats.org/drawingml/2006/main" xmlns:r="http://schemas.openxmlformats.org/officeDocument/2006/relationships" xmlns:p="http://schemas.openxmlformats.org/presentationml/2006/main">
+  <p:cSld>
+    <p:spTree>
+      <p:nvGrpSpPr>
+        <p:cNvPr id="1" name=""/>
+        <p:cNvGrpSpPr/>
+        <p:nvPr/>
+      </p:nvGrpSpPr>
+      <p:grpSpPr>
+        <a:xfrm>
+          <a:off x="0" y="0"/>
+          <a:ext cx="0" cy="0"/>
+          <a:chOff x="0" y="0"/>
+          <a:chExt cx="0" cy="0"/>
+        </a:xfrm>
+      </p:grpSpPr>
+      <p:sp>
+        <p:nvSpPr>
+          <p:cNvPr id="2" name="Title 1"/>
+          <p:cNvSpPr>
+            <a:spLocks noGrp="1"/>
+          </p:cNvSpPr>
+          <p:nvPr>
+            <p:ph type="title"/>
+          </p:nvPr>
+        </p:nvSpPr>
+        <p:spPr/>
+        <p:txBody>
+          <a:bodyPr/>
+          <a:lstStyle/>
+          <a:p>
+            <a:r>
+              <a:rPr lang="en-IN" u="sng" dirty="0" smtClean="0"/>
+              <a:t>Prediction</a:t>
+            </a:r>
+            <a:endParaRPr lang="en-IN" u="sng" dirty="0"/>
+          </a:p>
+        </p:txBody>
+      </p:sp>
+      <p:pic>
+        <p:nvPicPr>
+          <p:cNvPr id="10242" name="Picture 2"/>
+          <p:cNvPicPr>
+            <a:picLocks noChangeAspect="1" noChangeArrowheads="1"/>
+          </p:cNvPicPr>
+          <p:nvPr/>
+        </p:nvPicPr>
+        <p:blipFill>
+          <a:blip r:embed="rId2">
+            <a:extLst>
+              <a:ext uri="{28A0092B-C50C-407E-A947-70E740481C1C}">
+                <a14:useLocalDpi xmlns:a14="http://schemas.microsoft.com/office/drawing/2010/main" val="0"/>
+              </a:ext>
+            </a:extLst>
+          </a:blip>
+          <a:srcRect/>
+          <a:stretch>
+            <a:fillRect/>
+          </a:stretch>
+        </p:blipFill>
+        <p:spPr bwMode="auto">
+          <a:xfrm>
+            <a:off x="2915816" y="1389026"/>
+            <a:ext cx="3565177" cy="4592431"/>
+          </a:xfrm>
+          <a:prstGeom prst="rect">
+            <a:avLst/>
+          </a:prstGeom>
+          <a:noFill/>
+          <a:ln>
+            <a:noFill/>
+          </a:ln>
+          <a:effectLst/>
+          <a:extLst>
+            <a:ext uri="{909E8E84-426E-40DD-AFC4-6F175D3DCCD1}">
+              <a14:hiddenFill xmlns:a14="http://schemas.microsoft.com/office/drawing/2010/main">
+                <a:solidFill>
+                  <a:schemeClr val="accent1"/>
+                </a:solidFill>
+              </a14:hiddenFill>
+            </a:ext>
+            <a:ext uri="{91240B29-F687-4F45-9708-019B960494DF}">
+              <a14:hiddenLine xmlns:a14="http://schemas.microsoft.com/office/drawing/2010/main" w="9525">
+                <a:solidFill>
+                  <a:schemeClr val="tx1"/>
+                </a:solidFill>
+                <a:miter lim="800000"/>
+                <a:headEnd/>
+                <a:tailEnd/>
+              </a14:hiddenLine>
+            </a:ext>
+            <a:ext uri="{AF507438-7753-43E0-B8FC-AC1667EBCBE1}">
+              <a14:hiddenEffects xmlns:a14="http://schemas.microsoft.com/office/drawing/2010/main">
+                <a:effectLst>
+                  <a:outerShdw dist="35921" dir="2700000" algn="ctr" rotWithShape="0">
+                    <a:schemeClr val="bg2"/>
+                  </a:outerShdw>
+                </a:effectLst>
+              </a14:hiddenEffects>
+            </a:ext>
+          </a:extLst>
+        </p:spPr>
+      </p:pic>
+    </p:spTree>
+    <p:extLst>
+      <p:ext uri="{BB962C8B-B14F-4D97-AF65-F5344CB8AC3E}">
+        <p14:creationId xmlns:p14="http://schemas.microsoft.com/office/powerpoint/2010/main" val="312640032"/>
+      </p:ext>
+    </p:extLst>
+  </p:cSld>
+  <p:clrMapOvr>
+    <a:masterClrMapping/>
+  </p:clrMapOvr>
+</p:sld>
+</file>
+
+<file path=ppt/slides/slide24.xml><?xml version="1.0" encoding="utf-8"?>
+<p:sld xmlns:a="http://schemas.openxmlformats.org/drawingml/2006/main" xmlns:r="http://schemas.openxmlformats.org/officeDocument/2006/relationships" xmlns:p="http://schemas.openxmlformats.org/presentationml/2006/main">
+  <p:cSld>
+    <p:spTree>
+      <p:nvGrpSpPr>
+        <p:cNvPr id="1" name=""/>
+        <p:cNvGrpSpPr/>
+        <p:nvPr/>
+      </p:nvGrpSpPr>
+      <p:grpSpPr>
+        <a:xfrm>
+          <a:off x="0" y="0"/>
+          <a:ext cx="0" cy="0"/>
+          <a:chOff x="0" y="0"/>
+          <a:chExt cx="0" cy="0"/>
+        </a:xfrm>
+      </p:grpSpPr>
+      <p:sp>
+        <p:nvSpPr>
+          <p:cNvPr id="2" name="Title 1"/>
+          <p:cNvSpPr>
+            <a:spLocks noGrp="1"/>
+          </p:cNvSpPr>
+          <p:nvPr>
+            <p:ph type="title"/>
+          </p:nvPr>
+        </p:nvSpPr>
+        <p:spPr/>
+        <p:txBody>
+          <a:bodyPr/>
+          <a:lstStyle/>
+          <a:p>
+            <a:r>
+              <a:rPr lang="en-IN" dirty="0" smtClean="0"/>
+              <a:t>Summary</a:t>
+            </a:r>
+            <a:endParaRPr lang="en-IN" dirty="0"/>
+          </a:p>
+        </p:txBody>
+      </p:sp>
+      <p:sp>
+        <p:nvSpPr>
+          <p:cNvPr id="3" name="Content Placeholder 2"/>
+          <p:cNvSpPr>
+            <a:spLocks noGrp="1"/>
+          </p:cNvSpPr>
+          <p:nvPr>
+            <p:ph idx="1"/>
+          </p:nvPr>
+        </p:nvSpPr>
+        <p:spPr/>
+        <p:txBody>
+          <a:bodyPr>
+            <a:normAutofit fontScale="85000" lnSpcReduction="20000"/>
+          </a:bodyPr>
+          <a:lstStyle/>
+          <a:p>
+            <a:r>
+              <a:rPr lang="en-US" b="1" dirty="0"/>
+              <a:t>Sequence Modeling</a:t>
+            </a:r>
+            <a:r>
+              <a:rPr lang="en-US" dirty="0"/>
+              <a:t> is the task of predicting what word/letter comes next</a:t>
+            </a:r>
+            <a:r>
+              <a:rPr lang="en-US" dirty="0" smtClean="0"/>
+              <a:t>.</a:t>
+            </a:r>
+          </a:p>
+          <a:p>
+            <a:r>
+              <a:rPr lang="en-US" b="1" dirty="0" smtClean="0"/>
+              <a:t>RNN</a:t>
+            </a:r>
+            <a:r>
+              <a:rPr lang="en-US" dirty="0"/>
+              <a:t> is trained to map an input </a:t>
+            </a:r>
+            <a:r>
+              <a:rPr lang="en-US" b="1" dirty="0"/>
+              <a:t>sequence</a:t>
+            </a:r>
+            <a:r>
+              <a:rPr lang="en-US" dirty="0"/>
+              <a:t> to an output </a:t>
+            </a:r>
+            <a:r>
+              <a:rPr lang="en-US" b="1" dirty="0"/>
+              <a:t>sequence</a:t>
+            </a:r>
+            <a:r>
+              <a:rPr lang="en-US" dirty="0"/>
+              <a:t> which is not necessarily of the same length</a:t>
+            </a:r>
+            <a:r>
+              <a:rPr lang="en-US" dirty="0" smtClean="0"/>
+              <a:t>.</a:t>
+            </a:r>
+          </a:p>
+          <a:p>
+            <a:r>
+              <a:rPr lang="en-US" dirty="0"/>
+              <a:t>Applications are speech recognition, machine translation, image captioning and question answering</a:t>
+            </a:r>
+            <a:r>
+              <a:rPr lang="en-US" dirty="0" smtClean="0"/>
+              <a:t>.</a:t>
+            </a:r>
+          </a:p>
+          <a:p>
+            <a:r>
+              <a:rPr lang="en-US" dirty="0"/>
+              <a:t>An RNN remembers each and every information through time</a:t>
+            </a:r>
+            <a:r>
+              <a:rPr lang="en-US" dirty="0" smtClean="0"/>
+              <a:t>.</a:t>
+            </a:r>
+          </a:p>
+          <a:p>
+            <a:pPr fontAlgn="base"/>
+            <a:r>
+              <a:rPr lang="en-US" dirty="0"/>
+              <a:t>Gradient vanishing and exploding problems.</a:t>
+            </a:r>
+          </a:p>
+          <a:p>
+            <a:pPr fontAlgn="base"/>
+            <a:r>
+              <a:rPr lang="en-US" dirty="0"/>
+              <a:t>Training an RNN is a very difficult task</a:t>
+            </a:r>
+            <a:r>
+              <a:rPr lang="en-US" dirty="0" smtClean="0"/>
+              <a:t>.</a:t>
+            </a:r>
+          </a:p>
+          <a:p>
+            <a:endParaRPr lang="en-IN" dirty="0"/>
+          </a:p>
+        </p:txBody>
+      </p:sp>
+    </p:spTree>
+    <p:extLst>
+      <p:ext uri="{BB962C8B-B14F-4D97-AF65-F5344CB8AC3E}">
+        <p14:creationId xmlns:p14="http://schemas.microsoft.com/office/powerpoint/2010/main" val="2397665042"/>
+      </p:ext>
+    </p:extLst>
+  </p:cSld>
+  <p:clrMapOvr>
+    <a:masterClrMapping/>
+  </p:clrMapOvr>
+</p:sld>
+</file>
+
+<file path=ppt/slides/slide25.xml><?xml version="1.0" encoding="utf-8"?>
+<p:sld xmlns:a="http://schemas.openxmlformats.org/drawingml/2006/main" xmlns:r="http://schemas.openxmlformats.org/officeDocument/2006/relationships" xmlns:p="http://schemas.openxmlformats.org/presentationml/2006/main">
+  <p:cSld>
+    <p:spTree>
+      <p:nvGrpSpPr>
+        <p:cNvPr id="1" name=""/>
+        <p:cNvGrpSpPr/>
+        <p:nvPr/>
+      </p:nvGrpSpPr>
+      <p:grpSpPr>
+        <a:xfrm>
+          <a:off x="0" y="0"/>
+          <a:ext cx="0" cy="0"/>
+          <a:chOff x="0" y="0"/>
+          <a:chExt cx="0" cy="0"/>
+        </a:xfrm>
+      </p:grpSpPr>
+      <p:sp>
+        <p:nvSpPr>
+          <p:cNvPr id="2" name="Title 1"/>
+          <p:cNvSpPr>
+            <a:spLocks noGrp="1"/>
+          </p:cNvSpPr>
+          <p:nvPr>
+            <p:ph type="title"/>
+          </p:nvPr>
+        </p:nvSpPr>
+        <p:spPr>
+          <a:xfrm>
+            <a:off x="395536" y="2564904"/>
+            <a:ext cx="8229600" cy="1143000"/>
+          </a:xfrm>
+        </p:spPr>
+        <p:txBody>
+          <a:bodyPr/>
+          <a:lstStyle/>
+          <a:p>
+            <a:r>
+              <a:rPr lang="en-IN" dirty="0" smtClean="0"/>
+              <a:t>Thank You.</a:t>
+            </a:r>
+            <a:endParaRPr lang="en-IN" dirty="0"/>
+          </a:p>
+        </p:txBody>
+      </p:sp>
+    </p:spTree>
+    <p:extLst>
+      <p:ext uri="{BB962C8B-B14F-4D97-AF65-F5344CB8AC3E}">
+        <p14:creationId xmlns:p14="http://schemas.microsoft.com/office/powerpoint/2010/main" val="1182805688"/>
       </p:ext>
     </p:extLst>
   </p:cSld>
@@ -3642,6 +5592,284 @@
         </p:nvSpPr>
         <p:spPr/>
         <p:txBody>
+          <a:bodyPr>
+            <a:normAutofit/>
+          </a:bodyPr>
+          <a:lstStyle/>
+          <a:p>
+            <a:r>
+              <a:rPr lang="en-IN" dirty="0"/>
+              <a:t>Sequence to Sequence </a:t>
+            </a:r>
+            <a:r>
+              <a:rPr lang="en-IN" dirty="0" smtClean="0"/>
+              <a:t>Model</a:t>
+            </a:r>
+            <a:endParaRPr lang="en-IN" dirty="0"/>
+          </a:p>
+        </p:txBody>
+      </p:sp>
+      <p:sp>
+        <p:nvSpPr>
+          <p:cNvPr id="3" name="Content Placeholder 2"/>
+          <p:cNvSpPr>
+            <a:spLocks noGrp="1"/>
+          </p:cNvSpPr>
+          <p:nvPr>
+            <p:ph idx="1"/>
+          </p:nvPr>
+        </p:nvSpPr>
+        <p:spPr/>
+        <p:txBody>
+          <a:bodyPr>
+            <a:normAutofit/>
+          </a:bodyPr>
+          <a:lstStyle/>
+          <a:p>
+            <a:r>
+              <a:rPr lang="en-US" sz="2400" dirty="0"/>
+              <a:t>A typical sequence to sequence model has two parts – an </a:t>
+            </a:r>
+            <a:r>
+              <a:rPr lang="en-US" sz="2400" b="1" dirty="0"/>
+              <a:t>encoder</a:t>
+            </a:r>
+            <a:r>
+              <a:rPr lang="en-US" sz="2400" dirty="0"/>
+              <a:t> and a </a:t>
+            </a:r>
+            <a:r>
+              <a:rPr lang="en-US" sz="2400" b="1" dirty="0"/>
+              <a:t>decoder.</a:t>
+            </a:r>
+            <a:r>
+              <a:rPr lang="en-US" sz="2400" dirty="0"/>
+              <a:t> Both the parts are practically two different neural network models combined into one giant network.</a:t>
+            </a:r>
+            <a:r>
+              <a:rPr lang="en-US" sz="2400" b="1" dirty="0"/>
+              <a:t> </a:t>
+            </a:r>
+            <a:endParaRPr lang="en-US" sz="2400" dirty="0"/>
+          </a:p>
+          <a:p>
+            <a:r>
+              <a:rPr lang="en-US" sz="2400" dirty="0"/>
+              <a:t>Broadly, the task of an encoder network is to understand the input sequence, and create a smaller dimensional representation of it. This representation is then forwarded to a decoder network which generates a sequence of its own that represents the output</a:t>
+            </a:r>
+          </a:p>
+          <a:p>
+            <a:endParaRPr lang="en-IN" dirty="0"/>
+          </a:p>
+        </p:txBody>
+      </p:sp>
+      <p:pic>
+        <p:nvPicPr>
+          <p:cNvPr id="12290" name="Picture 2" descr="https://cdn.analyticsvidhya.com/wp-content/uploads/2018/03/4-300x276.png"/>
+          <p:cNvPicPr>
+            <a:picLocks noChangeAspect="1" noChangeArrowheads="1"/>
+          </p:cNvPicPr>
+          <p:nvPr/>
+        </p:nvPicPr>
+        <p:blipFill>
+          <a:blip r:embed="rId2">
+            <a:extLst>
+              <a:ext uri="{28A0092B-C50C-407E-A947-70E740481C1C}">
+                <a14:useLocalDpi xmlns:a14="http://schemas.microsoft.com/office/drawing/2010/main" val="0"/>
+              </a:ext>
+            </a:extLst>
+          </a:blip>
+          <a:srcRect/>
+          <a:stretch>
+            <a:fillRect/>
+          </a:stretch>
+        </p:blipFill>
+        <p:spPr bwMode="auto">
+          <a:xfrm>
+            <a:off x="6156176" y="4798876"/>
+            <a:ext cx="2232248" cy="2053668"/>
+          </a:xfrm>
+          <a:prstGeom prst="rect">
+            <a:avLst/>
+          </a:prstGeom>
+          <a:noFill/>
+          <a:extLst>
+            <a:ext uri="{909E8E84-426E-40DD-AFC4-6F175D3DCCD1}">
+              <a14:hiddenFill xmlns:a14="http://schemas.microsoft.com/office/drawing/2010/main">
+                <a:solidFill>
+                  <a:srgbClr val="FFFFFF"/>
+                </a:solidFill>
+              </a14:hiddenFill>
+            </a:ext>
+          </a:extLst>
+        </p:spPr>
+      </p:pic>
+    </p:spTree>
+    <p:extLst>
+      <p:ext uri="{BB962C8B-B14F-4D97-AF65-F5344CB8AC3E}">
+        <p14:creationId xmlns:p14="http://schemas.microsoft.com/office/powerpoint/2010/main" val="2429398619"/>
+      </p:ext>
+    </p:extLst>
+  </p:cSld>
+  <p:clrMapOvr>
+    <a:masterClrMapping/>
+  </p:clrMapOvr>
+</p:sld>
+</file>
+
+<file path=ppt/slides/slide4.xml><?xml version="1.0" encoding="utf-8"?>
+<p:sld xmlns:a="http://schemas.openxmlformats.org/drawingml/2006/main" xmlns:r="http://schemas.openxmlformats.org/officeDocument/2006/relationships" xmlns:p="http://schemas.openxmlformats.org/presentationml/2006/main">
+  <p:cSld>
+    <p:spTree>
+      <p:nvGrpSpPr>
+        <p:cNvPr id="1" name=""/>
+        <p:cNvGrpSpPr/>
+        <p:nvPr/>
+      </p:nvGrpSpPr>
+      <p:grpSpPr>
+        <a:xfrm>
+          <a:off x="0" y="0"/>
+          <a:ext cx="0" cy="0"/>
+          <a:chOff x="0" y="0"/>
+          <a:chExt cx="0" cy="0"/>
+        </a:xfrm>
+      </p:grpSpPr>
+      <p:sp>
+        <p:nvSpPr>
+          <p:cNvPr id="2" name="Title 1"/>
+          <p:cNvSpPr>
+            <a:spLocks noGrp="1"/>
+          </p:cNvSpPr>
+          <p:nvPr>
+            <p:ph type="title"/>
+          </p:nvPr>
+        </p:nvSpPr>
+        <p:spPr/>
+        <p:txBody>
+          <a:bodyPr>
+            <a:normAutofit/>
+          </a:bodyPr>
+          <a:lstStyle/>
+          <a:p>
+            <a:r>
+              <a:rPr lang="en-IN" dirty="0" smtClean="0"/>
+              <a:t>RNN Introduction</a:t>
+            </a:r>
+            <a:r>
+              <a:rPr lang="en-IN" dirty="0"/>
+              <a:t> </a:t>
+            </a:r>
+          </a:p>
+        </p:txBody>
+      </p:sp>
+      <p:sp>
+        <p:nvSpPr>
+          <p:cNvPr id="3" name="Content Placeholder 2"/>
+          <p:cNvSpPr>
+            <a:spLocks noGrp="1"/>
+          </p:cNvSpPr>
+          <p:nvPr>
+            <p:ph idx="1"/>
+          </p:nvPr>
+        </p:nvSpPr>
+        <p:spPr/>
+        <p:txBody>
+          <a:bodyPr>
+            <a:normAutofit fontScale="85000" lnSpcReduction="10000"/>
+          </a:bodyPr>
+          <a:lstStyle/>
+          <a:p>
+            <a:r>
+              <a:rPr lang="en-US" b="1" dirty="0"/>
+              <a:t>Recurrent Neural Network(RNN)</a:t>
+            </a:r>
+            <a:r>
+              <a:rPr lang="en-US" dirty="0"/>
+              <a:t> are a type of Neural Network where the </a:t>
+            </a:r>
+            <a:r>
+              <a:rPr lang="en-US" b="1" dirty="0"/>
+              <a:t>output from previous step are fed as input to the current step</a:t>
+            </a:r>
+            <a:r>
+              <a:rPr lang="en-US" dirty="0"/>
+              <a:t>. </a:t>
+            </a:r>
+            <a:endParaRPr lang="en-US" dirty="0" smtClean="0"/>
+          </a:p>
+          <a:p>
+            <a:r>
+              <a:rPr lang="en-US" dirty="0" smtClean="0"/>
+              <a:t>In </a:t>
+            </a:r>
+            <a:r>
+              <a:rPr lang="en-US" dirty="0"/>
+              <a:t>traditional neural networks, all the inputs and outputs are independent of each other, but in cases like when it is required to predict the next word of a sentence, the previous words are required and hence there is a need to remember the previous words. </a:t>
+            </a:r>
+            <a:endParaRPr lang="en-US" dirty="0" smtClean="0"/>
+          </a:p>
+          <a:p>
+            <a:r>
+              <a:rPr lang="en-US" dirty="0" smtClean="0"/>
+              <a:t>Thus </a:t>
+            </a:r>
+            <a:r>
+              <a:rPr lang="en-US" dirty="0"/>
+              <a:t>RNN came into existence, which solved this issue with the help of a Hidden Layer. </a:t>
+            </a:r>
+            <a:endParaRPr lang="en-IN" dirty="0"/>
+          </a:p>
+        </p:txBody>
+      </p:sp>
+    </p:spTree>
+    <p:extLst>
+      <p:ext uri="{BB962C8B-B14F-4D97-AF65-F5344CB8AC3E}">
+        <p14:creationId xmlns:p14="http://schemas.microsoft.com/office/powerpoint/2010/main" val="505727957"/>
+      </p:ext>
+    </p:extLst>
+  </p:cSld>
+  <p:clrMapOvr>
+    <a:masterClrMapping/>
+  </p:clrMapOvr>
+  <p:timing>
+    <p:tnLst>
+      <p:par>
+        <p:cTn id="1" dur="indefinite" restart="never" nodeType="tmRoot"/>
+      </p:par>
+    </p:tnLst>
+  </p:timing>
+</p:sld>
+</file>
+
+<file path=ppt/slides/slide5.xml><?xml version="1.0" encoding="utf-8"?>
+<p:sld xmlns:a="http://schemas.openxmlformats.org/drawingml/2006/main" xmlns:r="http://schemas.openxmlformats.org/officeDocument/2006/relationships" xmlns:p="http://schemas.openxmlformats.org/presentationml/2006/main">
+  <p:cSld>
+    <p:spTree>
+      <p:nvGrpSpPr>
+        <p:cNvPr id="1" name=""/>
+        <p:cNvGrpSpPr/>
+        <p:nvPr/>
+      </p:nvGrpSpPr>
+      <p:grpSpPr>
+        <a:xfrm>
+          <a:off x="0" y="0"/>
+          <a:ext cx="0" cy="0"/>
+          <a:chOff x="0" y="0"/>
+          <a:chExt cx="0" cy="0"/>
+        </a:xfrm>
+      </p:grpSpPr>
+      <p:sp>
+        <p:nvSpPr>
+          <p:cNvPr id="2" name="Title 1"/>
+          <p:cNvSpPr>
+            <a:spLocks noGrp="1"/>
+          </p:cNvSpPr>
+          <p:nvPr>
+            <p:ph type="title"/>
+          </p:nvPr>
+        </p:nvSpPr>
+        <p:spPr/>
+        <p:txBody>
           <a:bodyPr/>
           <a:lstStyle/>
           <a:p>
@@ -3690,6 +5918,88 @@
           </a:p>
         </p:txBody>
       </p:sp>
+      <p:pic>
+        <p:nvPicPr>
+          <p:cNvPr id="11266" name="Picture 2" descr="What is a Neural Network? - Databricks"/>
+          <p:cNvPicPr>
+            <a:picLocks noChangeAspect="1" noChangeArrowheads="1"/>
+          </p:cNvPicPr>
+          <p:nvPr/>
+        </p:nvPicPr>
+        <p:blipFill>
+          <a:blip r:embed="rId2">
+            <a:extLst>
+              <a:ext uri="{28A0092B-C50C-407E-A947-70E740481C1C}">
+                <a14:useLocalDpi xmlns:a14="http://schemas.microsoft.com/office/drawing/2010/main" val="0"/>
+              </a:ext>
+            </a:extLst>
+          </a:blip>
+          <a:srcRect/>
+          <a:stretch>
+            <a:fillRect/>
+          </a:stretch>
+        </p:blipFill>
+        <p:spPr bwMode="auto">
+          <a:xfrm>
+            <a:off x="899591" y="3717032"/>
+            <a:ext cx="3442667" cy="2304256"/>
+          </a:xfrm>
+          <a:prstGeom prst="rect">
+            <a:avLst/>
+          </a:prstGeom>
+          <a:noFill/>
+          <a:extLst>
+            <a:ext uri="{909E8E84-426E-40DD-AFC4-6F175D3DCCD1}">
+              <a14:hiddenFill xmlns:a14="http://schemas.microsoft.com/office/drawing/2010/main">
+                <a:solidFill>
+                  <a:srgbClr val="FFFFFF"/>
+                </a:solidFill>
+              </a14:hiddenFill>
+            </a:ext>
+          </a:extLst>
+        </p:spPr>
+      </p:pic>
+      <p:pic>
+        <p:nvPicPr>
+          <p:cNvPr id="11268" name="Picture 4" descr="RNN or Recurrent Neural Network for Noobs | Hacker Noon"/>
+          <p:cNvPicPr>
+            <a:picLocks noChangeAspect="1" noChangeArrowheads="1"/>
+          </p:cNvPicPr>
+          <p:nvPr/>
+        </p:nvPicPr>
+        <p:blipFill>
+          <a:blip r:embed="rId3">
+            <a:extLst>
+              <a:ext uri="{28A0092B-C50C-407E-A947-70E740481C1C}">
+                <a14:useLocalDpi xmlns:a14="http://schemas.microsoft.com/office/drawing/2010/main" val="0"/>
+              </a:ext>
+            </a:extLst>
+          </a:blip>
+          <a:srcRect/>
+          <a:stretch>
+            <a:fillRect/>
+          </a:stretch>
+        </p:blipFill>
+        <p:spPr bwMode="auto">
+          <a:xfrm>
+            <a:off x="4499992" y="3284984"/>
+            <a:ext cx="4211684" cy="2840137"/>
+          </a:xfrm>
+          <a:prstGeom prst="rect">
+            <a:avLst/>
+          </a:prstGeom>
+          <a:noFill/>
+          <a:extLst>
+            <a:ext uri="{909E8E84-426E-40DD-AFC4-6F175D3DCCD1}">
+              <a14:hiddenFill xmlns:a14="http://schemas.microsoft.com/office/drawing/2010/main">
+                <a:solidFill>
+                  <a:srgbClr val="FFFFFF"/>
+                </a:solidFill>
+              </a14:hiddenFill>
+            </a:ext>
+          </a:extLst>
+        </p:spPr>
+      </p:pic>
     </p:spTree>
     <p:extLst>
       <p:ext uri="{BB962C8B-B14F-4D97-AF65-F5344CB8AC3E}">
@@ -3700,10 +6010,17 @@
   <p:clrMapOvr>
     <a:masterClrMapping/>
   </p:clrMapOvr>
+  <p:timing>
+    <p:tnLst>
+      <p:par>
+        <p:cTn id="1" dur="indefinite" restart="never" nodeType="tmRoot"/>
+      </p:par>
+    </p:tnLst>
+  </p:timing>
 </p:sld>
 </file>
 
-<file path=ppt/slides/slide4.xml><?xml version="1.0" encoding="utf-8"?>
+<file path=ppt/slides/slide6.xml><?xml version="1.0" encoding="utf-8"?>
 <p:sld xmlns:a="http://schemas.openxmlformats.org/drawingml/2006/main" xmlns:r="http://schemas.openxmlformats.org/officeDocument/2006/relationships" xmlns:p="http://schemas.openxmlformats.org/presentationml/2006/main">
   <p:cSld>
     <p:spTree>
@@ -3901,7 +6218,7 @@
 </p:sld>
 </file>
 
-<file path=ppt/slides/slide5.xml><?xml version="1.0" encoding="utf-8"?>
+<file path=ppt/slides/slide7.xml><?xml version="1.0" encoding="utf-8"?>
 <p:sld xmlns:a="http://schemas.openxmlformats.org/drawingml/2006/main" xmlns:r="http://schemas.openxmlformats.org/officeDocument/2006/relationships" xmlns:p="http://schemas.openxmlformats.org/presentationml/2006/main">
   <p:cSld>
     <p:spTree>
@@ -3936,10 +6253,10 @@
           <a:lstStyle/>
           <a:p>
             <a:r>
-              <a:rPr lang="en-IN" dirty="0" smtClean="0"/>
+              <a:rPr lang="en-IN" u="sng" dirty="0" smtClean="0"/>
               <a:t>Working</a:t>
             </a:r>
-            <a:endParaRPr lang="en-IN" dirty="0"/>
+            <a:endParaRPr lang="en-IN" u="sng" dirty="0"/>
           </a:p>
         </p:txBody>
       </p:sp>
@@ -4059,7 +6376,7 @@
 </p:sld>
 </file>
 
-<file path=ppt/slides/slide6.xml><?xml version="1.0" encoding="utf-8"?>
+<file path=ppt/slides/slide8.xml><?xml version="1.0" encoding="utf-8"?>
 <p:sld xmlns:a="http://schemas.openxmlformats.org/drawingml/2006/main" xmlns:r="http://schemas.openxmlformats.org/officeDocument/2006/relationships" xmlns:p="http://schemas.openxmlformats.org/presentationml/2006/main">
   <p:cSld>
     <p:spTree>
@@ -4177,7 +6494,7 @@
 </p:sld>
 </file>
 
-<file path=ppt/slides/slide7.xml><?xml version="1.0" encoding="utf-8"?>
+<file path=ppt/slides/slide9.xml><?xml version="1.0" encoding="utf-8"?>
 <p:sld xmlns:a="http://schemas.openxmlformats.org/drawingml/2006/main" xmlns:r="http://schemas.openxmlformats.org/officeDocument/2006/relationships" xmlns:p="http://schemas.openxmlformats.org/presentationml/2006/main">
   <p:cSld>
     <p:spTree>
@@ -4339,269 +6656,6 @@
       </p:par>
     </p:tnLst>
   </p:timing>
-</p:sld>
-</file>
-
-<file path=ppt/slides/slide8.xml><?xml version="1.0" encoding="utf-8"?>
-<p:sld xmlns:a="http://schemas.openxmlformats.org/drawingml/2006/main" xmlns:r="http://schemas.openxmlformats.org/officeDocument/2006/relationships" xmlns:p="http://schemas.openxmlformats.org/presentationml/2006/main">
-  <p:cSld>
-    <p:spTree>
-      <p:nvGrpSpPr>
-        <p:cNvPr id="1" name=""/>
-        <p:cNvGrpSpPr/>
-        <p:nvPr/>
-      </p:nvGrpSpPr>
-      <p:grpSpPr>
-        <a:xfrm>
-          <a:off x="0" y="0"/>
-          <a:ext cx="0" cy="0"/>
-          <a:chOff x="0" y="0"/>
-          <a:chExt cx="0" cy="0"/>
-        </a:xfrm>
-      </p:grpSpPr>
-      <p:sp>
-        <p:nvSpPr>
-          <p:cNvPr id="2" name="Title 1"/>
-          <p:cNvSpPr>
-            <a:spLocks noGrp="1"/>
-          </p:cNvSpPr>
-          <p:nvPr>
-            <p:ph type="title"/>
-          </p:nvPr>
-        </p:nvSpPr>
-        <p:spPr/>
-        <p:txBody>
-          <a:bodyPr>
-            <a:normAutofit/>
-          </a:bodyPr>
-          <a:lstStyle/>
-          <a:p>
-            <a:r>
-              <a:rPr lang="en-IN" dirty="0"/>
-              <a:t>Training through </a:t>
-            </a:r>
-            <a:r>
-              <a:rPr lang="en-IN" dirty="0" smtClean="0"/>
-              <a:t>RNN</a:t>
-            </a:r>
-            <a:endParaRPr lang="en-IN" dirty="0"/>
-          </a:p>
-        </p:txBody>
-      </p:sp>
-      <p:sp>
-        <p:nvSpPr>
-          <p:cNvPr id="3" name="Content Placeholder 2"/>
-          <p:cNvSpPr>
-            <a:spLocks noGrp="1"/>
-          </p:cNvSpPr>
-          <p:nvPr>
-            <p:ph idx="1"/>
-          </p:nvPr>
-        </p:nvSpPr>
-        <p:spPr/>
-        <p:txBody>
-          <a:bodyPr>
-            <a:normAutofit fontScale="77500" lnSpcReduction="20000"/>
-          </a:bodyPr>
-          <a:lstStyle/>
-          <a:p>
-            <a:pPr fontAlgn="base"/>
-            <a:r>
-              <a:rPr lang="en-US" dirty="0"/>
-              <a:t>A single time step of the input is provided to the network.</a:t>
-            </a:r>
-          </a:p>
-          <a:p>
-            <a:pPr fontAlgn="base"/>
-            <a:r>
-              <a:rPr lang="en-US" dirty="0"/>
-              <a:t>Then calculate its current state using set of current input and the previous state.</a:t>
-            </a:r>
-          </a:p>
-          <a:p>
-            <a:pPr fontAlgn="base"/>
-            <a:r>
-              <a:rPr lang="en-US" dirty="0"/>
-              <a:t>The current </a:t>
-            </a:r>
-            <a:r>
-              <a:rPr lang="en-US" dirty="0" err="1"/>
-              <a:t>ht</a:t>
-            </a:r>
-            <a:r>
-              <a:rPr lang="en-US" dirty="0"/>
-              <a:t> becomes ht-1 for the next time step.</a:t>
-            </a:r>
-          </a:p>
-          <a:p>
-            <a:pPr fontAlgn="base"/>
-            <a:r>
-              <a:rPr lang="en-US" dirty="0"/>
-              <a:t>One can go as many time steps according to the problem and join the information from all the previous states.</a:t>
-            </a:r>
-          </a:p>
-          <a:p>
-            <a:pPr fontAlgn="base"/>
-            <a:r>
-              <a:rPr lang="en-US" dirty="0"/>
-              <a:t>Once all the time steps are completed the final current state is used to calculate the output.</a:t>
-            </a:r>
-          </a:p>
-          <a:p>
-            <a:pPr fontAlgn="base"/>
-            <a:r>
-              <a:rPr lang="en-US" dirty="0"/>
-              <a:t>The output is then compared to the actual output </a:t>
-            </a:r>
-            <a:r>
-              <a:rPr lang="en-US" dirty="0" err="1"/>
-              <a:t>i.e</a:t>
-            </a:r>
-            <a:r>
-              <a:rPr lang="en-US" dirty="0"/>
-              <a:t> the target output and the error is generated.</a:t>
-            </a:r>
-          </a:p>
-          <a:p>
-            <a:pPr fontAlgn="base"/>
-            <a:r>
-              <a:rPr lang="en-US" dirty="0"/>
-              <a:t>The error is then back-propagated to the network to update the weights and hence the network (RNN) is trained.</a:t>
-            </a:r>
-          </a:p>
-          <a:p>
-            <a:endParaRPr lang="en-IN" dirty="0"/>
-          </a:p>
-        </p:txBody>
-      </p:sp>
-    </p:spTree>
-    <p:extLst>
-      <p:ext uri="{BB962C8B-B14F-4D97-AF65-F5344CB8AC3E}">
-        <p14:creationId xmlns:p14="http://schemas.microsoft.com/office/powerpoint/2010/main" val="2000814502"/>
-      </p:ext>
-    </p:extLst>
-  </p:cSld>
-  <p:clrMapOvr>
-    <a:masterClrMapping/>
-  </p:clrMapOvr>
-  <p:timing>
-    <p:tnLst>
-      <p:par>
-        <p:cTn id="1" dur="indefinite" restart="never" nodeType="tmRoot"/>
-      </p:par>
-    </p:tnLst>
-  </p:timing>
-</p:sld>
-</file>
-
-<file path=ppt/slides/slide9.xml><?xml version="1.0" encoding="utf-8"?>
-<p:sld xmlns:a="http://schemas.openxmlformats.org/drawingml/2006/main" xmlns:r="http://schemas.openxmlformats.org/officeDocument/2006/relationships" xmlns:p="http://schemas.openxmlformats.org/presentationml/2006/main">
-  <p:cSld>
-    <p:spTree>
-      <p:nvGrpSpPr>
-        <p:cNvPr id="1" name=""/>
-        <p:cNvGrpSpPr/>
-        <p:nvPr/>
-      </p:nvGrpSpPr>
-      <p:grpSpPr>
-        <a:xfrm>
-          <a:off x="0" y="0"/>
-          <a:ext cx="0" cy="0"/>
-          <a:chOff x="0" y="0"/>
-          <a:chExt cx="0" cy="0"/>
-        </a:xfrm>
-      </p:grpSpPr>
-      <p:sp>
-        <p:nvSpPr>
-          <p:cNvPr id="2" name="Title 1"/>
-          <p:cNvSpPr>
-            <a:spLocks noGrp="1"/>
-          </p:cNvSpPr>
-          <p:nvPr>
-            <p:ph type="title"/>
-          </p:nvPr>
-        </p:nvSpPr>
-        <p:spPr/>
-        <p:txBody>
-          <a:bodyPr/>
-          <a:lstStyle/>
-          <a:p>
-            <a:r>
-              <a:rPr lang="en-IN" dirty="0" smtClean="0"/>
-              <a:t>Applications of RNN</a:t>
-            </a:r>
-            <a:endParaRPr lang="en-IN" dirty="0"/>
-          </a:p>
-        </p:txBody>
-      </p:sp>
-      <p:sp>
-        <p:nvSpPr>
-          <p:cNvPr id="3" name="Content Placeholder 2"/>
-          <p:cNvSpPr>
-            <a:spLocks noGrp="1"/>
-          </p:cNvSpPr>
-          <p:nvPr>
-            <p:ph idx="1"/>
-          </p:nvPr>
-        </p:nvSpPr>
-        <p:spPr/>
-        <p:txBody>
-          <a:bodyPr/>
-          <a:lstStyle/>
-          <a:p>
-            <a:pPr fontAlgn="base"/>
-            <a:r>
-              <a:rPr lang="en-US" dirty="0"/>
-              <a:t>Prediction problems</a:t>
-            </a:r>
-          </a:p>
-          <a:p>
-            <a:pPr fontAlgn="base"/>
-            <a:r>
-              <a:rPr lang="en-US" dirty="0"/>
-              <a:t>Language </a:t>
-            </a:r>
-            <a:r>
-              <a:rPr lang="en-US" dirty="0" err="1"/>
-              <a:t>Modelling</a:t>
-            </a:r>
-            <a:r>
-              <a:rPr lang="en-US" dirty="0"/>
-              <a:t> and Generating Text</a:t>
-            </a:r>
-          </a:p>
-          <a:p>
-            <a:pPr fontAlgn="base"/>
-            <a:r>
-              <a:rPr lang="en-US" dirty="0"/>
-              <a:t>Machine Translation</a:t>
-            </a:r>
-          </a:p>
-          <a:p>
-            <a:pPr fontAlgn="base"/>
-            <a:r>
-              <a:rPr lang="en-US" dirty="0"/>
-              <a:t>Speech Recognition</a:t>
-            </a:r>
-          </a:p>
-          <a:p>
-            <a:r>
-              <a:rPr lang="en-IN"/>
-              <a:t>Text Summarization</a:t>
-            </a:r>
-          </a:p>
-        </p:txBody>
-      </p:sp>
-    </p:spTree>
-    <p:extLst>
-      <p:ext uri="{BB962C8B-B14F-4D97-AF65-F5344CB8AC3E}">
-        <p14:creationId xmlns:p14="http://schemas.microsoft.com/office/powerpoint/2010/main" val="270296209"/>
-      </p:ext>
-    </p:extLst>
-  </p:cSld>
-  <p:clrMapOvr>
-    <a:masterClrMapping/>
-  </p:clrMapOvr>
 </p:sld>
 </file>
 

--- a/Recurrent Neural Networks.pptx
+++ b/Recurrent Neural Networks.pptx
@@ -20,16 +20,17 @@
     <p:sldId id="264" r:id="rId14"/>
     <p:sldId id="268" r:id="rId15"/>
     <p:sldId id="269" r:id="rId16"/>
-    <p:sldId id="270" r:id="rId17"/>
-    <p:sldId id="271" r:id="rId18"/>
-    <p:sldId id="273" r:id="rId19"/>
-    <p:sldId id="272" r:id="rId20"/>
-    <p:sldId id="274" r:id="rId21"/>
-    <p:sldId id="275" r:id="rId22"/>
-    <p:sldId id="276" r:id="rId23"/>
-    <p:sldId id="277" r:id="rId24"/>
-    <p:sldId id="280" r:id="rId25"/>
-    <p:sldId id="265" r:id="rId26"/>
+    <p:sldId id="281" r:id="rId17"/>
+    <p:sldId id="270" r:id="rId18"/>
+    <p:sldId id="271" r:id="rId19"/>
+    <p:sldId id="273" r:id="rId20"/>
+    <p:sldId id="272" r:id="rId21"/>
+    <p:sldId id="274" r:id="rId22"/>
+    <p:sldId id="275" r:id="rId23"/>
+    <p:sldId id="276" r:id="rId24"/>
+    <p:sldId id="277" r:id="rId25"/>
+    <p:sldId id="280" r:id="rId26"/>
+    <p:sldId id="265" r:id="rId27"/>
   </p:sldIdLst>
   <p:sldSz cx="9144000" cy="6858000" type="screen4x3"/>
   <p:notesSz cx="6858000" cy="9144000"/>
@@ -3171,11 +3172,7 @@
             <a:pPr algn="r"/>
             <a:r>
               <a:rPr lang="en-IN" sz="2400" dirty="0" smtClean="0"/>
-              <a:t>S4 </a:t>
-            </a:r>
-            <a:r>
-              <a:rPr lang="en-IN" sz="2400" dirty="0" smtClean="0"/>
-              <a:t>– MCA</a:t>
+              <a:t>S4 – MCA</a:t>
             </a:r>
           </a:p>
         </p:txBody>
@@ -4104,6 +4101,161 @@
         </p:nvSpPr>
         <p:spPr/>
         <p:txBody>
+          <a:bodyPr/>
+          <a:lstStyle/>
+          <a:p>
+            <a:r>
+              <a:rPr lang="en-IN" u="sng" dirty="0" smtClean="0"/>
+              <a:t>Project breakup</a:t>
+            </a:r>
+            <a:endParaRPr lang="en-IN" u="sng" dirty="0"/>
+          </a:p>
+        </p:txBody>
+      </p:sp>
+      <p:sp>
+        <p:nvSpPr>
+          <p:cNvPr id="3" name="Content Placeholder 2"/>
+          <p:cNvSpPr>
+            <a:spLocks noGrp="1"/>
+          </p:cNvSpPr>
+          <p:nvPr>
+            <p:ph idx="1"/>
+          </p:nvPr>
+        </p:nvSpPr>
+        <p:spPr/>
+        <p:txBody>
+          <a:bodyPr>
+            <a:normAutofit fontScale="85000" lnSpcReduction="20000"/>
+          </a:bodyPr>
+          <a:lstStyle/>
+          <a:p>
+            <a:r>
+              <a:rPr lang="en-IN" dirty="0"/>
+              <a:t>Introduction</a:t>
+            </a:r>
+          </a:p>
+          <a:p>
+            <a:r>
+              <a:rPr lang="en-IN" dirty="0"/>
+              <a:t>Generate Data</a:t>
+            </a:r>
+          </a:p>
+          <a:p>
+            <a:r>
+              <a:rPr lang="en-IN" dirty="0"/>
+              <a:t>Create the Model</a:t>
+            </a:r>
+          </a:p>
+          <a:p>
+            <a:r>
+              <a:rPr lang="en-IN" dirty="0" err="1"/>
+              <a:t>Vectorize</a:t>
+            </a:r>
+            <a:r>
+              <a:rPr lang="en-IN" dirty="0"/>
+              <a:t> and De-</a:t>
+            </a:r>
+            <a:r>
+              <a:rPr lang="en-IN" dirty="0" err="1"/>
+              <a:t>Vectorize</a:t>
+            </a:r>
+            <a:r>
+              <a:rPr lang="en-IN" dirty="0"/>
+              <a:t> Data</a:t>
+            </a:r>
+          </a:p>
+          <a:p>
+            <a:r>
+              <a:rPr lang="en-IN" dirty="0"/>
+              <a:t>Create Dataset</a:t>
+            </a:r>
+          </a:p>
+          <a:p>
+            <a:r>
+              <a:rPr lang="en-IN" dirty="0"/>
+              <a:t>Training the </a:t>
+            </a:r>
+            <a:r>
+              <a:rPr lang="en-IN" dirty="0" smtClean="0"/>
+              <a:t>Model</a:t>
+            </a:r>
+          </a:p>
+          <a:p>
+            <a:r>
+              <a:rPr lang="en-IN" dirty="0" smtClean="0"/>
+              <a:t>Testing</a:t>
+            </a:r>
+            <a:br>
+              <a:rPr lang="en-IN" dirty="0" smtClean="0"/>
+            </a:br>
+            <a:r>
+              <a:rPr lang="en-IN" dirty="0" smtClean="0"/>
+              <a:t/>
+            </a:r>
+            <a:br>
+              <a:rPr lang="en-IN" dirty="0" smtClean="0"/>
+            </a:br>
+            <a:endParaRPr lang="en-IN" dirty="0" smtClean="0"/>
+          </a:p>
+          <a:p>
+            <a:pPr marL="0" indent="0">
+              <a:buNone/>
+            </a:pPr>
+            <a:r>
+              <a:rPr lang="en-IN" dirty="0">
+                <a:hlinkClick r:id="rId2"/>
+              </a:rPr>
+              <a:t>https://github.com/abhilashsaj/Simple-Recurrent-Neural-Network-with-Keras</a:t>
+            </a:r>
+            <a:endParaRPr lang="en-IN" dirty="0"/>
+          </a:p>
+          <a:p>
+            <a:endParaRPr lang="en-IN" dirty="0"/>
+          </a:p>
+        </p:txBody>
+      </p:sp>
+    </p:spTree>
+    <p:extLst>
+      <p:ext uri="{BB962C8B-B14F-4D97-AF65-F5344CB8AC3E}">
+        <p14:creationId xmlns:p14="http://schemas.microsoft.com/office/powerpoint/2010/main" val="9149989"/>
+      </p:ext>
+    </p:extLst>
+  </p:cSld>
+  <p:clrMapOvr>
+    <a:masterClrMapping/>
+  </p:clrMapOvr>
+</p:sld>
+</file>
+
+<file path=ppt/slides/slide17.xml><?xml version="1.0" encoding="utf-8"?>
+<p:sld xmlns:a="http://schemas.openxmlformats.org/drawingml/2006/main" xmlns:r="http://schemas.openxmlformats.org/officeDocument/2006/relationships" xmlns:p="http://schemas.openxmlformats.org/presentationml/2006/main">
+  <p:cSld>
+    <p:spTree>
+      <p:nvGrpSpPr>
+        <p:cNvPr id="1" name=""/>
+        <p:cNvGrpSpPr/>
+        <p:nvPr/>
+      </p:nvGrpSpPr>
+      <p:grpSpPr>
+        <a:xfrm>
+          <a:off x="0" y="0"/>
+          <a:ext cx="0" cy="0"/>
+          <a:chOff x="0" y="0"/>
+          <a:chExt cx="0" cy="0"/>
+        </a:xfrm>
+      </p:grpSpPr>
+      <p:sp>
+        <p:nvSpPr>
+          <p:cNvPr id="2" name="Title 1"/>
+          <p:cNvSpPr>
+            <a:spLocks noGrp="1"/>
+          </p:cNvSpPr>
+          <p:nvPr>
+            <p:ph type="title"/>
+          </p:nvPr>
+        </p:nvSpPr>
+        <p:spPr/>
+        <p:txBody>
           <a:bodyPr>
             <a:normAutofit/>
           </a:bodyPr>
@@ -4205,7 +4357,7 @@
 </p:sld>
 </file>
 
-<file path=ppt/slides/slide17.xml><?xml version="1.0" encoding="utf-8"?>
+<file path=ppt/slides/slide18.xml><?xml version="1.0" encoding="utf-8"?>
 <p:sld xmlns:a="http://schemas.openxmlformats.org/drawingml/2006/main" xmlns:r="http://schemas.openxmlformats.org/officeDocument/2006/relationships" xmlns:p="http://schemas.openxmlformats.org/presentationml/2006/main">
   <p:cSld>
     <p:spTree>
@@ -4399,7 +4551,7 @@
 </p:sld>
 </file>
 
-<file path=ppt/slides/slide18.xml><?xml version="1.0" encoding="utf-8"?>
+<file path=ppt/slides/slide19.xml><?xml version="1.0" encoding="utf-8"?>
 <p:sld xmlns:a="http://schemas.openxmlformats.org/drawingml/2006/main" xmlns:r="http://schemas.openxmlformats.org/officeDocument/2006/relationships" xmlns:p="http://schemas.openxmlformats.org/presentationml/2006/main">
   <p:cSld>
     <p:spTree>
@@ -4536,7 +4688,126 @@
 </p:sld>
 </file>
 
-<file path=ppt/slides/slide19.xml><?xml version="1.0" encoding="utf-8"?>
+<file path=ppt/slides/slide2.xml><?xml version="1.0" encoding="utf-8"?>
+<p:sld xmlns:a="http://schemas.openxmlformats.org/drawingml/2006/main" xmlns:r="http://schemas.openxmlformats.org/officeDocument/2006/relationships" xmlns:p="http://schemas.openxmlformats.org/presentationml/2006/main">
+  <p:cSld>
+    <p:spTree>
+      <p:nvGrpSpPr>
+        <p:cNvPr id="1" name=""/>
+        <p:cNvGrpSpPr/>
+        <p:nvPr/>
+      </p:nvGrpSpPr>
+      <p:grpSpPr>
+        <a:xfrm>
+          <a:off x="0" y="0"/>
+          <a:ext cx="0" cy="0"/>
+          <a:chOff x="0" y="0"/>
+          <a:chExt cx="0" cy="0"/>
+        </a:xfrm>
+      </p:grpSpPr>
+      <p:sp>
+        <p:nvSpPr>
+          <p:cNvPr id="2" name="Title 1"/>
+          <p:cNvSpPr>
+            <a:spLocks noGrp="1"/>
+          </p:cNvSpPr>
+          <p:nvPr>
+            <p:ph type="title"/>
+          </p:nvPr>
+        </p:nvSpPr>
+        <p:spPr/>
+        <p:txBody>
+          <a:bodyPr/>
+          <a:lstStyle/>
+          <a:p>
+            <a:r>
+              <a:rPr lang="en-IN" dirty="0" smtClean="0"/>
+              <a:t>Topics</a:t>
+            </a:r>
+            <a:endParaRPr lang="en-IN" dirty="0"/>
+          </a:p>
+        </p:txBody>
+      </p:sp>
+      <p:sp>
+        <p:nvSpPr>
+          <p:cNvPr id="3" name="Content Placeholder 2"/>
+          <p:cNvSpPr>
+            <a:spLocks noGrp="1"/>
+          </p:cNvSpPr>
+          <p:nvPr>
+            <p:ph idx="1"/>
+          </p:nvPr>
+        </p:nvSpPr>
+        <p:spPr/>
+        <p:txBody>
+          <a:bodyPr/>
+          <a:lstStyle/>
+          <a:p>
+            <a:r>
+              <a:rPr lang="en-IN" dirty="0" smtClean="0"/>
+              <a:t>Sequence to Sequence Modelling</a:t>
+            </a:r>
+          </a:p>
+          <a:p>
+            <a:r>
+              <a:rPr lang="en-IN" dirty="0" smtClean="0"/>
+              <a:t>Intro to RNN</a:t>
+            </a:r>
+          </a:p>
+          <a:p>
+            <a:r>
+              <a:rPr lang="en-IN" dirty="0" smtClean="0"/>
+              <a:t>Working of RNN</a:t>
+            </a:r>
+          </a:p>
+          <a:p>
+            <a:r>
+              <a:rPr lang="en-IN" dirty="0" smtClean="0"/>
+              <a:t>Applications </a:t>
+            </a:r>
+          </a:p>
+          <a:p>
+            <a:r>
+              <a:rPr lang="en-IN" dirty="0" smtClean="0"/>
+              <a:t>Advantages</a:t>
+            </a:r>
+          </a:p>
+          <a:p>
+            <a:r>
+              <a:rPr lang="en-IN" dirty="0" smtClean="0"/>
+              <a:t>Disadvantages</a:t>
+            </a:r>
+          </a:p>
+          <a:p>
+            <a:r>
+              <a:rPr lang="en-US" dirty="0" smtClean="0"/>
+              <a:t>Project - Making</a:t>
+            </a:r>
+            <a:r>
+              <a:rPr lang="en-US" dirty="0"/>
+              <a:t> Your Model Learn Addition!</a:t>
+            </a:r>
+            <a:endParaRPr lang="en-IN" dirty="0" smtClean="0"/>
+          </a:p>
+          <a:p>
+            <a:endParaRPr lang="en-IN" dirty="0"/>
+          </a:p>
+        </p:txBody>
+      </p:sp>
+    </p:spTree>
+    <p:extLst>
+      <p:ext uri="{BB962C8B-B14F-4D97-AF65-F5344CB8AC3E}">
+        <p14:creationId xmlns:p14="http://schemas.microsoft.com/office/powerpoint/2010/main" val="3400318385"/>
+      </p:ext>
+    </p:extLst>
+  </p:cSld>
+  <p:clrMapOvr>
+    <a:masterClrMapping/>
+  </p:clrMapOvr>
+</p:sld>
+</file>
+
+<file path=ppt/slides/slide20.xml><?xml version="1.0" encoding="utf-8"?>
 <p:sld xmlns:a="http://schemas.openxmlformats.org/drawingml/2006/main" xmlns:r="http://schemas.openxmlformats.org/officeDocument/2006/relationships" xmlns:p="http://schemas.openxmlformats.org/presentationml/2006/main">
   <p:cSld>
     <p:spTree>
@@ -4735,126 +5006,7 @@
 </p:sld>
 </file>
 
-<file path=ppt/slides/slide2.xml><?xml version="1.0" encoding="utf-8"?>
-<p:sld xmlns:a="http://schemas.openxmlformats.org/drawingml/2006/main" xmlns:r="http://schemas.openxmlformats.org/officeDocument/2006/relationships" xmlns:p="http://schemas.openxmlformats.org/presentationml/2006/main">
-  <p:cSld>
-    <p:spTree>
-      <p:nvGrpSpPr>
-        <p:cNvPr id="1" name=""/>
-        <p:cNvGrpSpPr/>
-        <p:nvPr/>
-      </p:nvGrpSpPr>
-      <p:grpSpPr>
-        <a:xfrm>
-          <a:off x="0" y="0"/>
-          <a:ext cx="0" cy="0"/>
-          <a:chOff x="0" y="0"/>
-          <a:chExt cx="0" cy="0"/>
-        </a:xfrm>
-      </p:grpSpPr>
-      <p:sp>
-        <p:nvSpPr>
-          <p:cNvPr id="2" name="Title 1"/>
-          <p:cNvSpPr>
-            <a:spLocks noGrp="1"/>
-          </p:cNvSpPr>
-          <p:nvPr>
-            <p:ph type="title"/>
-          </p:nvPr>
-        </p:nvSpPr>
-        <p:spPr/>
-        <p:txBody>
-          <a:bodyPr/>
-          <a:lstStyle/>
-          <a:p>
-            <a:r>
-              <a:rPr lang="en-IN" dirty="0" smtClean="0"/>
-              <a:t>Topics</a:t>
-            </a:r>
-            <a:endParaRPr lang="en-IN" dirty="0"/>
-          </a:p>
-        </p:txBody>
-      </p:sp>
-      <p:sp>
-        <p:nvSpPr>
-          <p:cNvPr id="3" name="Content Placeholder 2"/>
-          <p:cNvSpPr>
-            <a:spLocks noGrp="1"/>
-          </p:cNvSpPr>
-          <p:nvPr>
-            <p:ph idx="1"/>
-          </p:nvPr>
-        </p:nvSpPr>
-        <p:spPr/>
-        <p:txBody>
-          <a:bodyPr/>
-          <a:lstStyle/>
-          <a:p>
-            <a:r>
-              <a:rPr lang="en-IN" dirty="0" smtClean="0"/>
-              <a:t>Sequence to Sequence Modelling</a:t>
-            </a:r>
-          </a:p>
-          <a:p>
-            <a:r>
-              <a:rPr lang="en-IN" dirty="0" smtClean="0"/>
-              <a:t>Intro to RNN</a:t>
-            </a:r>
-          </a:p>
-          <a:p>
-            <a:r>
-              <a:rPr lang="en-IN" dirty="0" smtClean="0"/>
-              <a:t>Working of RNN</a:t>
-            </a:r>
-          </a:p>
-          <a:p>
-            <a:r>
-              <a:rPr lang="en-IN" dirty="0" smtClean="0"/>
-              <a:t>Applications </a:t>
-            </a:r>
-          </a:p>
-          <a:p>
-            <a:r>
-              <a:rPr lang="en-IN" dirty="0" smtClean="0"/>
-              <a:t>Advantages</a:t>
-            </a:r>
-          </a:p>
-          <a:p>
-            <a:r>
-              <a:rPr lang="en-IN" dirty="0" smtClean="0"/>
-              <a:t>Disadvantages</a:t>
-            </a:r>
-          </a:p>
-          <a:p>
-            <a:r>
-              <a:rPr lang="en-US" dirty="0" smtClean="0"/>
-              <a:t>Project - Making</a:t>
-            </a:r>
-            <a:r>
-              <a:rPr lang="en-US" dirty="0"/>
-              <a:t> Your Model Learn Addition!</a:t>
-            </a:r>
-            <a:endParaRPr lang="en-IN" dirty="0" smtClean="0"/>
-          </a:p>
-          <a:p>
-            <a:endParaRPr lang="en-IN" dirty="0"/>
-          </a:p>
-        </p:txBody>
-      </p:sp>
-    </p:spTree>
-    <p:extLst>
-      <p:ext uri="{BB962C8B-B14F-4D97-AF65-F5344CB8AC3E}">
-        <p14:creationId xmlns:p14="http://schemas.microsoft.com/office/powerpoint/2010/main" val="3400318385"/>
-      </p:ext>
-    </p:extLst>
-  </p:cSld>
-  <p:clrMapOvr>
-    <a:masterClrMapping/>
-  </p:clrMapOvr>
-</p:sld>
-</file>
-
-<file path=ppt/slides/slide20.xml><?xml version="1.0" encoding="utf-8"?>
+<file path=ppt/slides/slide21.xml><?xml version="1.0" encoding="utf-8"?>
 <p:sld xmlns:a="http://schemas.openxmlformats.org/drawingml/2006/main" xmlns:r="http://schemas.openxmlformats.org/officeDocument/2006/relationships" xmlns:p="http://schemas.openxmlformats.org/presentationml/2006/main">
   <p:cSld>
     <p:spTree>
@@ -4977,7 +5129,7 @@
 </p:sld>
 </file>
 
-<file path=ppt/slides/slide21.xml><?xml version="1.0" encoding="utf-8"?>
+<file path=ppt/slides/slide22.xml><?xml version="1.0" encoding="utf-8"?>
 <p:sld xmlns:a="http://schemas.openxmlformats.org/drawingml/2006/main" xmlns:r="http://schemas.openxmlformats.org/officeDocument/2006/relationships" xmlns:p="http://schemas.openxmlformats.org/presentationml/2006/main">
   <p:cSld>
     <p:spTree>
@@ -5100,7 +5252,7 @@
 </p:sld>
 </file>
 
-<file path=ppt/slides/slide22.xml><?xml version="1.0" encoding="utf-8"?>
+<file path=ppt/slides/slide23.xml><?xml version="1.0" encoding="utf-8"?>
 <p:sld xmlns:a="http://schemas.openxmlformats.org/drawingml/2006/main" xmlns:r="http://schemas.openxmlformats.org/officeDocument/2006/relationships" xmlns:p="http://schemas.openxmlformats.org/presentationml/2006/main">
   <p:cSld>
     <p:spTree>
@@ -5225,7 +5377,7 @@
 </p:sld>
 </file>
 
-<file path=ppt/slides/slide23.xml><?xml version="1.0" encoding="utf-8"?>
+<file path=ppt/slides/slide24.xml><?xml version="1.0" encoding="utf-8"?>
 <p:sld xmlns:a="http://schemas.openxmlformats.org/drawingml/2006/main" xmlns:r="http://schemas.openxmlformats.org/officeDocument/2006/relationships" xmlns:p="http://schemas.openxmlformats.org/presentationml/2006/main">
   <p:cSld>
     <p:spTree>
@@ -5342,7 +5494,7 @@
 </p:sld>
 </file>
 
-<file path=ppt/slides/slide24.xml><?xml version="1.0" encoding="utf-8"?>
+<file path=ppt/slides/slide25.xml><?xml version="1.0" encoding="utf-8"?>
 <p:sld xmlns:a="http://schemas.openxmlformats.org/drawingml/2006/main" xmlns:r="http://schemas.openxmlformats.org/officeDocument/2006/relationships" xmlns:p="http://schemas.openxmlformats.org/presentationml/2006/main">
   <p:cSld>
     <p:spTree>
@@ -5395,7 +5547,7 @@
         <p:spPr/>
         <p:txBody>
           <a:bodyPr>
-            <a:normAutofit fontScale="85000" lnSpcReduction="20000"/>
+            <a:normAutofit fontScale="77500" lnSpcReduction="20000"/>
           </a:bodyPr>
           <a:lstStyle/>
           <a:p>
@@ -5479,6 +5631,16 @@
               <a:rPr lang="en-US" dirty="0" smtClean="0"/>
               <a:t>.</a:t>
             </a:r>
+          </a:p>
+          <a:p>
+            <a:pPr fontAlgn="base"/>
+            <a:r>
+              <a:rPr lang="en-IN" dirty="0">
+                <a:hlinkClick r:id="rId2"/>
+              </a:rPr>
+              <a:t>https://github.com/abhilashsaj/Simple-Recurrent-Neural-Network-with-Keras</a:t>
+            </a:r>
+            <a:endParaRPr lang="en-US" dirty="0" smtClean="0"/>
           </a:p>
           <a:p>
             <a:endParaRPr lang="en-IN" dirty="0"/>
@@ -5498,7 +5660,7 @@
 </p:sld>
 </file>
 
-<file path=ppt/slides/slide25.xml><?xml version="1.0" encoding="utf-8"?>
+<file path=ppt/slides/slide26.xml><?xml version="1.0" encoding="utf-8"?>
 <p:sld xmlns:a="http://schemas.openxmlformats.org/drawingml/2006/main" xmlns:r="http://schemas.openxmlformats.org/officeDocument/2006/relationships" xmlns:p="http://schemas.openxmlformats.org/presentationml/2006/main">
   <p:cSld>
     <p:spTree>

--- a/Recurrent Neural Networks.pptx
+++ b/Recurrent Neural Networks.pptx
@@ -3273,14 +3273,14 @@
           <a:lstStyle/>
           <a:p>
             <a:r>
-              <a:rPr lang="en-IN" u="sng" dirty="0"/>
+              <a:rPr lang="en-IN" sz="3600" u="sng" dirty="0"/>
               <a:t>Training through </a:t>
             </a:r>
             <a:r>
-              <a:rPr lang="en-IN" u="sng" dirty="0" smtClean="0"/>
+              <a:rPr lang="en-IN" sz="3600" u="sng" dirty="0" smtClean="0"/>
               <a:t>RNN</a:t>
             </a:r>
-            <a:endParaRPr lang="en-IN" u="sng" dirty="0"/>
+            <a:endParaRPr lang="en-IN" sz="3600" u="sng" dirty="0"/>
           </a:p>
         </p:txBody>
       </p:sp>
@@ -3710,10 +3710,10 @@
           <a:lstStyle/>
           <a:p>
             <a:r>
-              <a:rPr lang="en-US" u="sng" dirty="0" smtClean="0"/>
+              <a:rPr lang="en-US" sz="3600" u="sng" dirty="0" smtClean="0"/>
               <a:t>Disadvantages</a:t>
             </a:r>
-            <a:endParaRPr lang="en-IN" u="sng" dirty="0"/>
+            <a:endParaRPr lang="en-IN" sz="4000" u="sng" dirty="0"/>
           </a:p>
         </p:txBody>
       </p:sp>
